--- a/Flatiron_Mod_1_Slides.pptx
+++ b/Flatiron_Mod_1_Slides.pptx
@@ -8,6 +8,7 @@
     <p:sldId id="256" r:id="rId2"/>
     <p:sldId id="257" r:id="rId3"/>
     <p:sldId id="258" r:id="rId4"/>
+    <p:sldId id="259" r:id="rId5"/>
   </p:sldIdLst>
   <p:sldSz cx="12192000" cy="6858000"/>
   <p:notesSz cx="6858000" cy="9144000"/>
@@ -300,7 +301,7 @@
           <a:p>
             <a:fld id="{4AAD347D-5ACD-4C99-B74B-A9C85AD731AF}" type="datetimeFigureOut">
               <a:rPr lang="en-US" dirty="0"/>
-              <a:t>1/20/20</a:t>
+              <a:t>1/21/20</a:t>
             </a:fld>
             <a:endParaRPr lang="en-US" dirty="0"/>
           </a:p>
@@ -570,7 +571,7 @@
           <a:p>
             <a:fld id="{4509A250-FF31-4206-8172-F9D3106AACB1}" type="datetimeFigureOut">
               <a:rPr lang="en-US" dirty="0"/>
-              <a:t>1/20/20</a:t>
+              <a:t>1/21/20</a:t>
             </a:fld>
             <a:endParaRPr lang="en-US" dirty="0"/>
           </a:p>
@@ -759,7 +760,7 @@
           <a:p>
             <a:fld id="{4509A250-FF31-4206-8172-F9D3106AACB1}" type="datetimeFigureOut">
               <a:rPr lang="en-US" dirty="0"/>
-              <a:t>1/20/20</a:t>
+              <a:t>1/21/20</a:t>
             </a:fld>
             <a:endParaRPr lang="en-US" dirty="0"/>
           </a:p>
@@ -1027,7 +1028,7 @@
           <a:p>
             <a:fld id="{4509A250-FF31-4206-8172-F9D3106AACB1}" type="datetimeFigureOut">
               <a:rPr lang="en-US" dirty="0"/>
-              <a:t>1/20/20</a:t>
+              <a:t>1/21/20</a:t>
             </a:fld>
             <a:endParaRPr lang="en-US" dirty="0"/>
           </a:p>
@@ -1363,7 +1364,7 @@
           <a:p>
             <a:fld id="{4509A250-FF31-4206-8172-F9D3106AACB1}" type="datetimeFigureOut">
               <a:rPr lang="en-US" dirty="0"/>
-              <a:t>1/20/20</a:t>
+              <a:t>1/21/20</a:t>
             </a:fld>
             <a:endParaRPr lang="en-US" dirty="0"/>
           </a:p>
@@ -1981,7 +1982,7 @@
           <a:p>
             <a:fld id="{4509A250-FF31-4206-8172-F9D3106AACB1}" type="datetimeFigureOut">
               <a:rPr lang="en-US" dirty="0"/>
-              <a:t>1/20/20</a:t>
+              <a:t>1/21/20</a:t>
             </a:fld>
             <a:endParaRPr lang="en-US" dirty="0"/>
           </a:p>
@@ -2836,7 +2837,7 @@
           <a:p>
             <a:fld id="{4509A250-FF31-4206-8172-F9D3106AACB1}" type="datetimeFigureOut">
               <a:rPr lang="en-US" dirty="0"/>
-              <a:t>1/20/20</a:t>
+              <a:t>1/21/20</a:t>
             </a:fld>
             <a:endParaRPr lang="en-US" dirty="0"/>
           </a:p>
@@ -3001,7 +3002,7 @@
           <a:p>
             <a:fld id="{4509A250-FF31-4206-8172-F9D3106AACB1}" type="datetimeFigureOut">
               <a:rPr lang="en-US" dirty="0"/>
-              <a:t>1/20/20</a:t>
+              <a:t>1/21/20</a:t>
             </a:fld>
             <a:endParaRPr lang="en-US" dirty="0"/>
           </a:p>
@@ -3176,7 +3177,7 @@
           <a:p>
             <a:fld id="{4509A250-FF31-4206-8172-F9D3106AACB1}" type="datetimeFigureOut">
               <a:rPr lang="en-US" dirty="0"/>
-              <a:t>1/20/20</a:t>
+              <a:t>1/21/20</a:t>
             </a:fld>
             <a:endParaRPr lang="en-US" dirty="0"/>
           </a:p>
@@ -3341,7 +3342,7 @@
           <a:p>
             <a:fld id="{4509A250-FF31-4206-8172-F9D3106AACB1}" type="datetimeFigureOut">
               <a:rPr lang="en-US" dirty="0"/>
-              <a:t>1/20/20</a:t>
+              <a:t>1/21/20</a:t>
             </a:fld>
             <a:endParaRPr lang="en-US" dirty="0"/>
           </a:p>
@@ -3583,7 +3584,7 @@
           <a:p>
             <a:fld id="{9796027F-7875-4030-9381-8BD8C4F21935}" type="datetimeFigureOut">
               <a:rPr lang="en-US" dirty="0"/>
-              <a:t>1/20/20</a:t>
+              <a:t>1/21/20</a:t>
             </a:fld>
             <a:endParaRPr lang="en-US" dirty="0"/>
           </a:p>
@@ -3870,7 +3871,7 @@
           <a:p>
             <a:fld id="{9796027F-7875-4030-9381-8BD8C4F21935}" type="datetimeFigureOut">
               <a:rPr lang="en-US" dirty="0"/>
-              <a:t>1/20/20</a:t>
+              <a:t>1/21/20</a:t>
             </a:fld>
             <a:endParaRPr lang="en-US" dirty="0"/>
           </a:p>
@@ -4309,7 +4310,7 @@
           <a:p>
             <a:fld id="{9796027F-7875-4030-9381-8BD8C4F21935}" type="datetimeFigureOut">
               <a:rPr lang="en-US" dirty="0"/>
-              <a:t>1/20/20</a:t>
+              <a:t>1/21/20</a:t>
             </a:fld>
             <a:endParaRPr lang="en-US" dirty="0"/>
           </a:p>
@@ -4422,7 +4423,7 @@
           <a:p>
             <a:fld id="{4509A250-FF31-4206-8172-F9D3106AACB1}" type="datetimeFigureOut">
               <a:rPr lang="en-US" dirty="0"/>
-              <a:t>1/20/20</a:t>
+              <a:t>1/21/20</a:t>
             </a:fld>
             <a:endParaRPr lang="en-US" dirty="0"/>
           </a:p>
@@ -4512,7 +4513,7 @@
           <a:p>
             <a:fld id="{4509A250-FF31-4206-8172-F9D3106AACB1}" type="datetimeFigureOut">
               <a:rPr lang="en-US" dirty="0"/>
-              <a:t>1/20/20</a:t>
+              <a:t>1/21/20</a:t>
             </a:fld>
             <a:endParaRPr lang="en-US" dirty="0"/>
           </a:p>
@@ -4786,7 +4787,7 @@
           <a:p>
             <a:fld id="{4509A250-FF31-4206-8172-F9D3106AACB1}" type="datetimeFigureOut">
               <a:rPr lang="en-US" dirty="0"/>
-              <a:t>1/20/20</a:t>
+              <a:t>1/21/20</a:t>
             </a:fld>
             <a:endParaRPr lang="en-US" dirty="0"/>
           </a:p>
@@ -5056,7 +5057,7 @@
           <a:p>
             <a:fld id="{4509A250-FF31-4206-8172-F9D3106AACB1}" type="datetimeFigureOut">
               <a:rPr lang="en-US" dirty="0"/>
-              <a:t>1/20/20</a:t>
+              <a:t>1/21/20</a:t>
             </a:fld>
             <a:endParaRPr lang="en-US" dirty="0"/>
           </a:p>
@@ -5480,7 +5481,7 @@
           <a:p>
             <a:fld id="{4AAD347D-5ACD-4C99-B74B-A9C85AD731AF}" type="datetimeFigureOut">
               <a:rPr lang="en-US" dirty="0"/>
-              <a:t>1/20/20</a:t>
+              <a:t>1/21/20</a:t>
             </a:fld>
             <a:endParaRPr lang="en-US" dirty="0"/>
           </a:p>
@@ -6031,7 +6032,7 @@
           <a:lstStyle/>
           <a:p>
             <a:r>
-              <a:rPr lang="en-US" dirty="0"/>
+              <a:rPr lang="en-US" i="1" dirty="0"/>
               <a:t>Seattle</a:t>
             </a:r>
             <a:br>
@@ -6338,44 +6339,148 @@
             <p:ph type="title"/>
           </p:nvPr>
         </p:nvSpPr>
-        <p:spPr/>
+        <p:spPr>
+          <a:xfrm>
+            <a:off x="646111" y="452718"/>
+            <a:ext cx="9920289" cy="1400530"/>
+          </a:xfrm>
+        </p:spPr>
         <p:txBody>
           <a:bodyPr/>
           <a:lstStyle/>
           <a:p>
-            <a:endParaRPr lang="en-US"/>
-          </a:p>
-        </p:txBody>
-      </p:sp>
-      <p:sp>
-        <p:nvSpPr>
-          <p:cNvPr id="3" name="Content Placeholder 2">
+            <a:r>
+              <a:rPr lang="en-US" dirty="0"/>
+              <a:t>House surface vs 15 closest neighbors</a:t>
+            </a:r>
+          </a:p>
+        </p:txBody>
+      </p:sp>
+      <p:pic>
+        <p:nvPicPr>
+          <p:cNvPr id="5" name="Content Placeholder 4" descr="A screen shot of a social media post&#10;&#10;Description automatically generated">
             <a:extLst>
               <a:ext uri="{FF2B5EF4-FFF2-40B4-BE49-F238E27FC236}">
-                <a16:creationId xmlns:a16="http://schemas.microsoft.com/office/drawing/2014/main" id="{0A04934F-8770-C34D-AFF7-E54491B28498}"/>
+                <a16:creationId xmlns:a16="http://schemas.microsoft.com/office/drawing/2014/main" id="{2E251745-204E-5547-BD9B-4B5E91FAC0E5}"/>
               </a:ext>
             </a:extLst>
           </p:cNvPr>
-          <p:cNvSpPr>
-            <a:spLocks noGrp="1"/>
-          </p:cNvSpPr>
+          <p:cNvPicPr>
+            <a:picLocks noGrp="1" noChangeAspect="1"/>
+          </p:cNvPicPr>
           <p:nvPr>
             <p:ph idx="1"/>
           </p:nvPr>
-        </p:nvSpPr>
-        <p:spPr/>
-        <p:txBody>
-          <a:bodyPr/>
-          <a:lstStyle/>
-          <a:p>
-            <a:endParaRPr lang="en-US"/>
-          </a:p>
-        </p:txBody>
-      </p:sp>
+        </p:nvPicPr>
+        <p:blipFill>
+          <a:blip r:embed="rId2"/>
+          <a:stretch>
+            <a:fillRect/>
+          </a:stretch>
+        </p:blipFill>
+        <p:spPr>
+          <a:xfrm>
+            <a:off x="646111" y="1555819"/>
+            <a:ext cx="8917436" cy="4692581"/>
+          </a:xfrm>
+        </p:spPr>
+      </p:pic>
     </p:spTree>
     <p:extLst>
       <p:ext uri="{BB962C8B-B14F-4D97-AF65-F5344CB8AC3E}">
         <p14:creationId xmlns:p14="http://schemas.microsoft.com/office/powerpoint/2010/main" val="1819312017"/>
+      </p:ext>
+    </p:extLst>
+  </p:cSld>
+  <p:clrMapOvr>
+    <a:masterClrMapping/>
+  </p:clrMapOvr>
+</p:sld>
+</file>
+
+<file path=ppt/slides/slide4.xml><?xml version="1.0" encoding="utf-8"?>
+<p:sld xmlns:a="http://schemas.openxmlformats.org/drawingml/2006/main" xmlns:r="http://schemas.openxmlformats.org/officeDocument/2006/relationships" xmlns:p="http://schemas.openxmlformats.org/presentationml/2006/main">
+  <p:cSld>
+    <p:spTree>
+      <p:nvGrpSpPr>
+        <p:cNvPr id="1" name=""/>
+        <p:cNvGrpSpPr/>
+        <p:nvPr/>
+      </p:nvGrpSpPr>
+      <p:grpSpPr>
+        <a:xfrm>
+          <a:off x="0" y="0"/>
+          <a:ext cx="0" cy="0"/>
+          <a:chOff x="0" y="0"/>
+          <a:chExt cx="0" cy="0"/>
+        </a:xfrm>
+      </p:grpSpPr>
+      <p:sp>
+        <p:nvSpPr>
+          <p:cNvPr id="2" name="Title 1">
+            <a:extLst>
+              <a:ext uri="{FF2B5EF4-FFF2-40B4-BE49-F238E27FC236}">
+                <a16:creationId xmlns:a16="http://schemas.microsoft.com/office/drawing/2014/main" id="{CA624081-BC71-5F4A-991F-0DD42AC7DD45}"/>
+              </a:ext>
+            </a:extLst>
+          </p:cNvPr>
+          <p:cNvSpPr>
+            <a:spLocks noGrp="1"/>
+          </p:cNvSpPr>
+          <p:nvPr>
+            <p:ph type="title"/>
+          </p:nvPr>
+        </p:nvSpPr>
+        <p:spPr>
+          <a:xfrm>
+            <a:off x="646111" y="330392"/>
+            <a:ext cx="9404723" cy="1400530"/>
+          </a:xfrm>
+        </p:spPr>
+        <p:txBody>
+          <a:bodyPr/>
+          <a:lstStyle/>
+          <a:p>
+            <a:r>
+              <a:rPr lang="en-US" sz="3000" dirty="0"/>
+              <a:t>Correlation graph for variable Selection</a:t>
+            </a:r>
+          </a:p>
+        </p:txBody>
+      </p:sp>
+      <p:pic>
+        <p:nvPicPr>
+          <p:cNvPr id="5" name="Content Placeholder 4">
+            <a:extLst>
+              <a:ext uri="{FF2B5EF4-FFF2-40B4-BE49-F238E27FC236}">
+                <a16:creationId xmlns:a16="http://schemas.microsoft.com/office/drawing/2014/main" id="{2218122A-BCE6-B949-B0F4-25D132BB2810}"/>
+              </a:ext>
+            </a:extLst>
+          </p:cNvPr>
+          <p:cNvPicPr>
+            <a:picLocks noGrp="1" noChangeAspect="1"/>
+          </p:cNvPicPr>
+          <p:nvPr>
+            <p:ph idx="1"/>
+          </p:nvPr>
+        </p:nvPicPr>
+        <p:blipFill>
+          <a:blip r:embed="rId2"/>
+          <a:stretch>
+            <a:fillRect/>
+          </a:stretch>
+        </p:blipFill>
+        <p:spPr>
+          <a:xfrm>
+            <a:off x="0" y="890004"/>
+            <a:ext cx="6904691" cy="5967996"/>
+          </a:xfrm>
+        </p:spPr>
+      </p:pic>
+    </p:spTree>
+    <p:extLst>
+      <p:ext uri="{BB962C8B-B14F-4D97-AF65-F5344CB8AC3E}">
+        <p14:creationId xmlns:p14="http://schemas.microsoft.com/office/powerpoint/2010/main" val="2511712212"/>
       </p:ext>
     </p:extLst>
   </p:cSld>

--- a/Flatiron_Mod_1_Slides.pptx
+++ b/Flatiron_Mod_1_Slides.pptx
@@ -6221,7 +6221,7 @@
             </a:pPr>
             <a:r>
               <a:rPr lang="en-GB" sz="1600" dirty="0"/>
-              <a:t>Does price increase if surface living increases beyond our 15 neighbours’ surface? </a:t>
+              <a:t>How do the models compare if we proceed with the removal of outlier value in our variables?</a:t>
             </a:r>
           </a:p>
           <a:p>
@@ -6356,35 +6356,31 @@
           </a:p>
         </p:txBody>
       </p:sp>
-      <p:pic>
-        <p:nvPicPr>
-          <p:cNvPr id="5" name="Content Placeholder 4" descr="A screen shot of a social media post&#10;&#10;Description automatically generated">
+      <p:sp>
+        <p:nvSpPr>
+          <p:cNvPr id="7" name="Content Placeholder 6">
             <a:extLst>
               <a:ext uri="{FF2B5EF4-FFF2-40B4-BE49-F238E27FC236}">
-                <a16:creationId xmlns:a16="http://schemas.microsoft.com/office/drawing/2014/main" id="{2E251745-204E-5547-BD9B-4B5E91FAC0E5}"/>
+                <a16:creationId xmlns:a16="http://schemas.microsoft.com/office/drawing/2014/main" id="{21640EC3-C4DA-724F-B54F-66B95C7AE937}"/>
               </a:ext>
             </a:extLst>
           </p:cNvPr>
-          <p:cNvPicPr>
-            <a:picLocks noGrp="1" noChangeAspect="1"/>
-          </p:cNvPicPr>
+          <p:cNvSpPr>
+            <a:spLocks noGrp="1"/>
+          </p:cNvSpPr>
           <p:nvPr>
             <p:ph idx="1"/>
           </p:nvPr>
-        </p:nvPicPr>
-        <p:blipFill>
-          <a:blip r:embed="rId2"/>
-          <a:stretch>
-            <a:fillRect/>
-          </a:stretch>
-        </p:blipFill>
-        <p:spPr>
-          <a:xfrm>
-            <a:off x="646111" y="1555819"/>
-            <a:ext cx="8917436" cy="4692581"/>
-          </a:xfrm>
-        </p:spPr>
-      </p:pic>
+        </p:nvSpPr>
+        <p:spPr/>
+        <p:txBody>
+          <a:bodyPr/>
+          <a:lstStyle/>
+          <a:p>
+            <a:endParaRPr lang="en-US"/>
+          </a:p>
+        </p:txBody>
+      </p:sp>
     </p:spTree>
     <p:extLst>
       <p:ext uri="{BB962C8B-B14F-4D97-AF65-F5344CB8AC3E}">
@@ -6448,35 +6444,31 @@
           </a:p>
         </p:txBody>
       </p:sp>
-      <p:pic>
-        <p:nvPicPr>
-          <p:cNvPr id="5" name="Content Placeholder 4">
+      <p:sp>
+        <p:nvSpPr>
+          <p:cNvPr id="8" name="Content Placeholder 7">
             <a:extLst>
               <a:ext uri="{FF2B5EF4-FFF2-40B4-BE49-F238E27FC236}">
-                <a16:creationId xmlns:a16="http://schemas.microsoft.com/office/drawing/2014/main" id="{2218122A-BCE6-B949-B0F4-25D132BB2810}"/>
+                <a16:creationId xmlns:a16="http://schemas.microsoft.com/office/drawing/2014/main" id="{191F5341-2FCC-BA43-BE87-486DBF5A2AD9}"/>
               </a:ext>
             </a:extLst>
           </p:cNvPr>
-          <p:cNvPicPr>
-            <a:picLocks noGrp="1" noChangeAspect="1"/>
-          </p:cNvPicPr>
+          <p:cNvSpPr>
+            <a:spLocks noGrp="1"/>
+          </p:cNvSpPr>
           <p:nvPr>
             <p:ph idx="1"/>
           </p:nvPr>
-        </p:nvPicPr>
-        <p:blipFill>
-          <a:blip r:embed="rId2"/>
-          <a:stretch>
-            <a:fillRect/>
-          </a:stretch>
-        </p:blipFill>
-        <p:spPr>
-          <a:xfrm>
-            <a:off x="0" y="890004"/>
-            <a:ext cx="6904691" cy="5967996"/>
-          </a:xfrm>
-        </p:spPr>
-      </p:pic>
+        </p:nvSpPr>
+        <p:spPr/>
+        <p:txBody>
+          <a:bodyPr/>
+          <a:lstStyle/>
+          <a:p>
+            <a:endParaRPr lang="en-US"/>
+          </a:p>
+        </p:txBody>
+      </p:sp>
     </p:spTree>
     <p:extLst>
       <p:ext uri="{BB962C8B-B14F-4D97-AF65-F5344CB8AC3E}">

--- a/Flatiron_Mod_1_Slides.pptx
+++ b/Flatiron_Mod_1_Slides.pptx
@@ -6221,7 +6221,15 @@
             </a:pPr>
             <a:r>
               <a:rPr lang="en-GB" sz="1600" dirty="0"/>
-              <a:t>How do the models compare if we proceed with the removal of outlier value in our variables?</a:t>
+              <a:t>How do the models compare if we proceed with the removal of </a:t>
+            </a:r>
+            <a:r>
+              <a:rPr lang="en-GB" sz="1600"/>
+              <a:t>outlier values </a:t>
+            </a:r>
+            <a:r>
+              <a:rPr lang="en-GB" sz="1600" dirty="0"/>
+              <a:t>in our variables?</a:t>
             </a:r>
           </a:p>
           <a:p>

--- a/Flatiron_Mod_1_Slides.pptx
+++ b/Flatiron_Mod_1_Slides.pptx
@@ -9,6 +9,12 @@
     <p:sldId id="257" r:id="rId3"/>
     <p:sldId id="258" r:id="rId4"/>
     <p:sldId id="259" r:id="rId5"/>
+    <p:sldId id="261" r:id="rId6"/>
+    <p:sldId id="262" r:id="rId7"/>
+    <p:sldId id="263" r:id="rId8"/>
+    <p:sldId id="266" r:id="rId9"/>
+    <p:sldId id="264" r:id="rId10"/>
+    <p:sldId id="265" r:id="rId11"/>
   </p:sldIdLst>
   <p:sldSz cx="12192000" cy="6858000"/>
   <p:notesSz cx="6858000" cy="9144000"/>
@@ -6086,6 +6092,250 @@
 </p:sld>
 </file>
 
+<file path=ppt/slides/slide10.xml><?xml version="1.0" encoding="utf-8"?>
+<p:sld xmlns:a="http://schemas.openxmlformats.org/drawingml/2006/main" xmlns:r="http://schemas.openxmlformats.org/officeDocument/2006/relationships" xmlns:p="http://schemas.openxmlformats.org/presentationml/2006/main">
+  <p:cSld>
+    <p:spTree>
+      <p:nvGrpSpPr>
+        <p:cNvPr id="1" name=""/>
+        <p:cNvGrpSpPr/>
+        <p:nvPr/>
+      </p:nvGrpSpPr>
+      <p:grpSpPr>
+        <a:xfrm>
+          <a:off x="0" y="0"/>
+          <a:ext cx="0" cy="0"/>
+          <a:chOff x="0" y="0"/>
+          <a:chExt cx="0" cy="0"/>
+        </a:xfrm>
+      </p:grpSpPr>
+      <p:sp>
+        <p:nvSpPr>
+          <p:cNvPr id="2" name="Title 1">
+            <a:extLst>
+              <a:ext uri="{FF2B5EF4-FFF2-40B4-BE49-F238E27FC236}">
+                <a16:creationId xmlns:a16="http://schemas.microsoft.com/office/drawing/2014/main" id="{4A8F6B92-09A8-9D44-A06E-2DAFCA7F6121}"/>
+              </a:ext>
+            </a:extLst>
+          </p:cNvPr>
+          <p:cNvSpPr>
+            <a:spLocks noGrp="1"/>
+          </p:cNvSpPr>
+          <p:nvPr>
+            <p:ph type="title"/>
+          </p:nvPr>
+        </p:nvSpPr>
+        <p:spPr/>
+        <p:txBody>
+          <a:bodyPr/>
+          <a:lstStyle/>
+          <a:p>
+            <a:r>
+              <a:rPr lang="en-US" sz="2500" dirty="0"/>
+              <a:t>Step 7: </a:t>
+            </a:r>
+            <a:r>
+              <a:rPr lang="en-US" sz="2800" dirty="0"/>
+              <a:t>Run regression model and interpret the results </a:t>
+            </a:r>
+            <a:br>
+              <a:rPr lang="en-US" sz="2800" dirty="0"/>
+            </a:br>
+            <a:endParaRPr lang="en-US" sz="2500" dirty="0"/>
+          </a:p>
+        </p:txBody>
+      </p:sp>
+      <p:pic>
+        <p:nvPicPr>
+          <p:cNvPr id="5" name="Content Placeholder 4" descr="A screenshot of a cell phone&#10;&#10;Description automatically generated">
+            <a:extLst>
+              <a:ext uri="{FF2B5EF4-FFF2-40B4-BE49-F238E27FC236}">
+                <a16:creationId xmlns:a16="http://schemas.microsoft.com/office/drawing/2014/main" id="{78D738F0-B4C0-F94F-AAE2-38CEEF10BCB2}"/>
+              </a:ext>
+            </a:extLst>
+          </p:cNvPr>
+          <p:cNvPicPr>
+            <a:picLocks noGrp="1" noChangeAspect="1"/>
+          </p:cNvPicPr>
+          <p:nvPr>
+            <p:ph idx="1"/>
+          </p:nvPr>
+        </p:nvPicPr>
+        <p:blipFill>
+          <a:blip r:embed="rId2"/>
+          <a:stretch>
+            <a:fillRect/>
+          </a:stretch>
+        </p:blipFill>
+        <p:spPr>
+          <a:xfrm>
+            <a:off x="6555347" y="2124875"/>
+            <a:ext cx="4184834" cy="4598085"/>
+          </a:xfrm>
+        </p:spPr>
+      </p:pic>
+      <p:sp>
+        <p:nvSpPr>
+          <p:cNvPr id="7" name="TextBox 6">
+            <a:extLst>
+              <a:ext uri="{FF2B5EF4-FFF2-40B4-BE49-F238E27FC236}">
+                <a16:creationId xmlns:a16="http://schemas.microsoft.com/office/drawing/2014/main" id="{0943F3C5-C025-694E-9B7D-1B8A486269A7}"/>
+              </a:ext>
+            </a:extLst>
+          </p:cNvPr>
+          <p:cNvSpPr txBox="1"/>
+          <p:nvPr/>
+        </p:nvSpPr>
+        <p:spPr>
+          <a:xfrm>
+            <a:off x="141667" y="1094705"/>
+            <a:ext cx="6189775" cy="923330"/>
+          </a:xfrm>
+          <a:prstGeom prst="rect">
+            <a:avLst/>
+          </a:prstGeom>
+          <a:noFill/>
+        </p:spPr>
+        <p:txBody>
+          <a:bodyPr wrap="square" rtlCol="0">
+            <a:spAutoFit/>
+          </a:bodyPr>
+          <a:lstStyle/>
+          <a:p>
+            <a:r>
+              <a:rPr lang="en-US" dirty="0"/>
+              <a:t>	Model 1 – </a:t>
+            </a:r>
+            <a:r>
+              <a:rPr lang="en-US" i="1" dirty="0"/>
+              <a:t>Outliers Present in the Data</a:t>
+            </a:r>
+          </a:p>
+          <a:p>
+            <a:r>
+              <a:rPr lang="en-US" b="1" i="1" dirty="0"/>
+              <a:t>P = -710,300 + 185 (</a:t>
+            </a:r>
+            <a:r>
+              <a:rPr lang="en-US" b="1" i="1" dirty="0" err="1"/>
+              <a:t>sqft</a:t>
+            </a:r>
+            <a:r>
+              <a:rPr lang="en-US" b="1" i="1" dirty="0"/>
+              <a:t> =+1) + 146,000 (grade =+1)</a:t>
+            </a:r>
+          </a:p>
+          <a:p>
+            <a:r>
+              <a:rPr lang="en-US" dirty="0"/>
+              <a:t> </a:t>
+            </a:r>
+          </a:p>
+        </p:txBody>
+      </p:sp>
+      <p:pic>
+        <p:nvPicPr>
+          <p:cNvPr id="9" name="Picture 8" descr="A screenshot of a cell phone&#10;&#10;Description automatically generated">
+            <a:extLst>
+              <a:ext uri="{FF2B5EF4-FFF2-40B4-BE49-F238E27FC236}">
+                <a16:creationId xmlns:a16="http://schemas.microsoft.com/office/drawing/2014/main" id="{3EB003DE-D9D6-8044-9ED1-6B0BCB45623C}"/>
+              </a:ext>
+            </a:extLst>
+          </p:cNvPr>
+          <p:cNvPicPr>
+            <a:picLocks noChangeAspect="1"/>
+          </p:cNvPicPr>
+          <p:nvPr/>
+        </p:nvPicPr>
+        <p:blipFill>
+          <a:blip r:embed="rId3"/>
+          <a:stretch>
+            <a:fillRect/>
+          </a:stretch>
+        </p:blipFill>
+        <p:spPr>
+          <a:xfrm>
+            <a:off x="854018" y="2125013"/>
+            <a:ext cx="4277727" cy="4598085"/>
+          </a:xfrm>
+          <a:prstGeom prst="rect">
+            <a:avLst/>
+          </a:prstGeom>
+        </p:spPr>
+      </p:pic>
+      <p:sp>
+        <p:nvSpPr>
+          <p:cNvPr id="10" name="TextBox 9">
+            <a:extLst>
+              <a:ext uri="{FF2B5EF4-FFF2-40B4-BE49-F238E27FC236}">
+                <a16:creationId xmlns:a16="http://schemas.microsoft.com/office/drawing/2014/main" id="{FC6AD93B-0389-7443-852B-F8A06EC8F4C6}"/>
+              </a:ext>
+            </a:extLst>
+          </p:cNvPr>
+          <p:cNvSpPr txBox="1"/>
+          <p:nvPr/>
+        </p:nvSpPr>
+        <p:spPr>
+          <a:xfrm>
+            <a:off x="5900702" y="1081826"/>
+            <a:ext cx="5687776" cy="923330"/>
+          </a:xfrm>
+          <a:prstGeom prst="rect">
+            <a:avLst/>
+          </a:prstGeom>
+          <a:noFill/>
+        </p:spPr>
+        <p:txBody>
+          <a:bodyPr wrap="none" rtlCol="0">
+            <a:spAutoFit/>
+          </a:bodyPr>
+          <a:lstStyle/>
+          <a:p>
+            <a:r>
+              <a:rPr lang="en-US" dirty="0"/>
+              <a:t>Model 2 – </a:t>
+            </a:r>
+            <a:r>
+              <a:rPr lang="en-US" i="1" dirty="0"/>
+              <a:t>Outliers Removed from the Data</a:t>
+            </a:r>
+            <a:r>
+              <a:rPr lang="en-US" dirty="0"/>
+              <a:t> </a:t>
+            </a:r>
+          </a:p>
+          <a:p>
+            <a:r>
+              <a:rPr lang="en-US" b="1" i="1" dirty="0"/>
+              <a:t>P = -661,000+ 134 (</a:t>
+            </a:r>
+            <a:r>
+              <a:rPr lang="en-US" b="1" i="1" dirty="0" err="1"/>
+              <a:t>sqft</a:t>
+            </a:r>
+            <a:r>
+              <a:rPr lang="en-US" b="1" i="1" dirty="0"/>
+              <a:t> =+1) + 120,700 (grade =+1)</a:t>
+            </a:r>
+          </a:p>
+          <a:p>
+            <a:endParaRPr lang="en-US" dirty="0"/>
+          </a:p>
+        </p:txBody>
+      </p:sp>
+    </p:spTree>
+    <p:extLst>
+      <p:ext uri="{BB962C8B-B14F-4D97-AF65-F5344CB8AC3E}">
+        <p14:creationId xmlns:p14="http://schemas.microsoft.com/office/powerpoint/2010/main" val="3194318494"/>
+      </p:ext>
+    </p:extLst>
+  </p:cSld>
+  <p:clrMapOvr>
+    <a:masterClrMapping/>
+  </p:clrMapOvr>
+</p:sld>
+</file>
+
 <file path=ppt/slides/slide2.xml><?xml version="1.0" encoding="utf-8"?>
 <p:sld xmlns:a="http://schemas.openxmlformats.org/drawingml/2006/main" xmlns:r="http://schemas.openxmlformats.org/officeDocument/2006/relationships" xmlns:p="http://schemas.openxmlformats.org/presentationml/2006/main">
   <p:cSld>
@@ -6166,7 +6416,7 @@
             </a:pPr>
             <a:r>
               <a:rPr lang="en-US" sz="1600" dirty="0"/>
-              <a:t>The objective of the analysis conducted is to gain an alternative understanding of the Seattle property market for the development of our real estate financing business. </a:t>
+              <a:t>The objective of the analysis conducted is to gain an alternative understanding of the Seattle property market for the development of our real estate financing business. This is an experimental in-house analysis. </a:t>
             </a:r>
           </a:p>
           <a:p>
@@ -6198,7 +6448,7 @@
               </a:lnSpc>
             </a:pPr>
             <a:r>
-              <a:rPr lang="en-GB" sz="1600" dirty="0"/>
+              <a:rPr lang="en-GB" sz="1600" b="1" i="1" dirty="0"/>
               <a:t>Will price increase provided we keep the living surface constant and increase the grading by 1?  </a:t>
             </a:r>
           </a:p>
@@ -6209,7 +6459,7 @@
               </a:lnSpc>
             </a:pPr>
             <a:r>
-              <a:rPr lang="en-GB" sz="1600" dirty="0"/>
+              <a:rPr lang="en-GB" sz="1600" b="1" i="1" dirty="0"/>
               <a:t>Will price increase provided we increase living surface and keep the living surface constant?</a:t>
             </a:r>
           </a:p>
@@ -6220,16 +6470,8 @@
               </a:lnSpc>
             </a:pPr>
             <a:r>
-              <a:rPr lang="en-GB" sz="1600" dirty="0"/>
-              <a:t>How do the models compare if we proceed with the removal of </a:t>
-            </a:r>
-            <a:r>
-              <a:rPr lang="en-GB" sz="1600"/>
-              <a:t>outlier values </a:t>
-            </a:r>
-            <a:r>
-              <a:rPr lang="en-GB" sz="1600" dirty="0"/>
-              <a:t>in our variables?</a:t>
+              <a:rPr lang="en-GB" sz="1600" b="1" i="1" dirty="0"/>
+              <a:t>How do the models compare if we proceed with the removal of outlier values in our variables?</a:t>
             </a:r>
           </a:p>
           <a:p>
@@ -6359,7 +6601,7 @@
           <a:p>
             <a:r>
               <a:rPr lang="en-US" dirty="0"/>
-              <a:t>House surface vs 15 closest neighbors</a:t>
+              <a:t>Process Timeline</a:t>
             </a:r>
           </a:p>
         </p:txBody>
@@ -6380,12 +6622,103 @@
             <p:ph idx="1"/>
           </p:nvPr>
         </p:nvSpPr>
-        <p:spPr/>
-        <p:txBody>
-          <a:bodyPr/>
+        <p:spPr>
+          <a:xfrm>
+            <a:off x="646111" y="1223493"/>
+            <a:ext cx="9283500" cy="5181789"/>
+          </a:xfrm>
+        </p:spPr>
+        <p:txBody>
+          <a:bodyPr>
+            <a:normAutofit fontScale="85000" lnSpcReduction="20000"/>
+          </a:bodyPr>
           <a:lstStyle/>
           <a:p>
-            <a:endParaRPr lang="en-US"/>
+            <a:r>
+              <a:rPr lang="en-US" dirty="0"/>
+              <a:t>Step 1: Load the dataset and identify null values </a:t>
+            </a:r>
+          </a:p>
+          <a:p>
+            <a:endParaRPr lang="en-US" dirty="0"/>
+          </a:p>
+          <a:p>
+            <a:r>
+              <a:rPr lang="en-US" dirty="0"/>
+              <a:t>Step 2: Treatment of null values and special characters</a:t>
+            </a:r>
+          </a:p>
+          <a:p>
+            <a:endParaRPr lang="en-US" dirty="0"/>
+          </a:p>
+          <a:p>
+            <a:r>
+              <a:rPr lang="en-US" dirty="0"/>
+              <a:t>Step 3: Exploratory Data Analysis </a:t>
+            </a:r>
+          </a:p>
+          <a:p>
+            <a:endParaRPr lang="en-US" dirty="0"/>
+          </a:p>
+          <a:p>
+            <a:r>
+              <a:rPr lang="en-US" dirty="0"/>
+              <a:t>Step 4: Graph relationship between all relevant variables and price </a:t>
+            </a:r>
+          </a:p>
+          <a:p>
+            <a:endParaRPr lang="en-US" dirty="0"/>
+          </a:p>
+          <a:p>
+            <a:r>
+              <a:rPr lang="en-US" dirty="0"/>
+              <a:t>Step 5: Model Approach</a:t>
+            </a:r>
+          </a:p>
+          <a:p>
+            <a:endParaRPr lang="en-US" dirty="0"/>
+          </a:p>
+          <a:p>
+            <a:r>
+              <a:rPr lang="en-US" dirty="0"/>
+              <a:t>Step 6: Choose variables for regression models </a:t>
+            </a:r>
+          </a:p>
+          <a:p>
+            <a:endParaRPr lang="en-US" dirty="0"/>
+          </a:p>
+          <a:p>
+            <a:r>
+              <a:rPr lang="en-US" dirty="0"/>
+              <a:t>Step 7: Run regression model and interpret the results </a:t>
+            </a:r>
+          </a:p>
+          <a:p>
+            <a:endParaRPr lang="en-US" dirty="0"/>
+          </a:p>
+          <a:p>
+            <a:r>
+              <a:rPr lang="en-US" dirty="0"/>
+              <a:t>Step 8: Follows ups and Correction of model</a:t>
+            </a:r>
+          </a:p>
+          <a:p>
+            <a:endParaRPr lang="en-US" dirty="0"/>
+          </a:p>
+          <a:p>
+            <a:pPr marL="0" indent="0">
+              <a:buNone/>
+            </a:pPr>
+            <a:endParaRPr lang="en-US" dirty="0"/>
+          </a:p>
+          <a:p>
+            <a:endParaRPr lang="en-US" dirty="0"/>
+          </a:p>
+          <a:p>
+            <a:pPr marL="0" indent="0">
+              <a:buNone/>
+            </a:pPr>
+            <a:endParaRPr lang="en-US" dirty="0"/>
           </a:p>
         </p:txBody>
       </p:sp>
@@ -6438,7 +6771,7 @@
         <p:spPr>
           <a:xfrm>
             <a:off x="646111" y="330392"/>
-            <a:ext cx="9404723" cy="1400530"/>
+            <a:ext cx="9553957" cy="1400530"/>
           </a:xfrm>
         </p:spPr>
         <p:txBody>
@@ -6446,8 +6779,15 @@
           <a:lstStyle/>
           <a:p>
             <a:r>
-              <a:rPr lang="en-US" sz="3000" dirty="0"/>
-              <a:t>Correlation graph for variable Selection</a:t>
+              <a:rPr lang="en-US" sz="2500" dirty="0"/>
+              <a:t>Step 1 &amp; 2: Load the dataset + identify &amp; treat null values </a:t>
+            </a:r>
+            <a:br>
+              <a:rPr lang="en-US" sz="2500" dirty="0"/>
+            </a:br>
+            <a:r>
+              <a:rPr lang="en-US" sz="2500" dirty="0"/>
+              <a:t> </a:t>
             </a:r>
           </a:p>
         </p:txBody>
@@ -6468,12 +6808,103 @@
             <p:ph idx="1"/>
           </p:nvPr>
         </p:nvSpPr>
-        <p:spPr/>
-        <p:txBody>
-          <a:bodyPr/>
+        <p:spPr>
+          <a:xfrm>
+            <a:off x="759815" y="1173156"/>
+            <a:ext cx="9829985" cy="5037634"/>
+          </a:xfrm>
+        </p:spPr>
+        <p:txBody>
+          <a:bodyPr>
+            <a:normAutofit fontScale="85000" lnSpcReduction="20000"/>
+          </a:bodyPr>
           <a:lstStyle/>
           <a:p>
-            <a:endParaRPr lang="en-US"/>
+            <a:endParaRPr lang="en-US" dirty="0"/>
+          </a:p>
+          <a:p>
+            <a:r>
+              <a:rPr lang="en-US" dirty="0"/>
+              <a:t>Pandas data frame was used to load and gain an understanding of the Seattle housing market dataset </a:t>
+            </a:r>
+          </a:p>
+          <a:p>
+            <a:pPr marL="0" indent="0">
+              <a:buNone/>
+            </a:pPr>
+            <a:endParaRPr lang="en-US" dirty="0"/>
+          </a:p>
+          <a:p>
+            <a:r>
+              <a:rPr lang="en-US" dirty="0"/>
+              <a:t>Data frame composition includes 26 columns and nearly 25,000 rows representing properties</a:t>
+            </a:r>
+          </a:p>
+          <a:p>
+            <a:endParaRPr lang="en-US" dirty="0"/>
+          </a:p>
+          <a:p>
+            <a:r>
+              <a:rPr lang="en-US" dirty="0"/>
+              <a:t>Three approaches to treat null values in </a:t>
+            </a:r>
+            <a:r>
+              <a:rPr lang="en-US" i="1" dirty="0"/>
+              <a:t>waterfront, view, year renovated</a:t>
+            </a:r>
+          </a:p>
+          <a:p>
+            <a:pPr marL="0" indent="0">
+              <a:buNone/>
+            </a:pPr>
+            <a:endParaRPr lang="en-US" i="1" dirty="0"/>
+          </a:p>
+          <a:p>
+            <a:r>
+              <a:rPr lang="en-US" dirty="0"/>
+              <a:t>We decided to remove the </a:t>
+            </a:r>
+            <a:r>
+              <a:rPr lang="en-US" i="1" dirty="0"/>
+              <a:t>waterfront</a:t>
+            </a:r>
+            <a:r>
+              <a:rPr lang="en-US" dirty="0"/>
+              <a:t> column as we tested it for correlation with price which was low , possibly impaired by null values</a:t>
+            </a:r>
+          </a:p>
+          <a:p>
+            <a:endParaRPr lang="en-US" dirty="0"/>
+          </a:p>
+          <a:p>
+            <a:r>
+              <a:rPr lang="en-US" dirty="0"/>
+              <a:t>For </a:t>
+            </a:r>
+            <a:r>
+              <a:rPr lang="en-US" i="1" dirty="0"/>
+              <a:t>view</a:t>
+            </a:r>
+            <a:r>
+              <a:rPr lang="en-US" dirty="0"/>
+              <a:t>, we chose to fill the nulls with 0 value as we the 63 nulls observed represent less than 1% of the dataset</a:t>
+            </a:r>
+          </a:p>
+          <a:p>
+            <a:endParaRPr lang="en-US" dirty="0"/>
+          </a:p>
+          <a:p>
+            <a:r>
+              <a:rPr lang="en-US" dirty="0"/>
+              <a:t>For </a:t>
+            </a:r>
+            <a:r>
+              <a:rPr lang="en-US" i="1" dirty="0"/>
+              <a:t>year renovated, we chose to assume for 0 and nulls that the build year could be used to replace those values</a:t>
+            </a:r>
+          </a:p>
+          <a:p>
+            <a:endParaRPr lang="en-US" dirty="0"/>
           </a:p>
         </p:txBody>
       </p:sp>
@@ -6486,6 +6917,2308 @@
   </p:cSld>
   <p:clrMapOvr>
     <a:masterClrMapping/>
+  </p:clrMapOvr>
+</p:sld>
+</file>
+
+<file path=ppt/slides/slide5.xml><?xml version="1.0" encoding="utf-8"?>
+<p:sld xmlns:a="http://schemas.openxmlformats.org/drawingml/2006/main" xmlns:r="http://schemas.openxmlformats.org/officeDocument/2006/relationships" xmlns:p="http://schemas.openxmlformats.org/presentationml/2006/main">
+  <p:cSld>
+    <p:spTree>
+      <p:nvGrpSpPr>
+        <p:cNvPr id="1" name=""/>
+        <p:cNvGrpSpPr/>
+        <p:nvPr/>
+      </p:nvGrpSpPr>
+      <p:grpSpPr>
+        <a:xfrm>
+          <a:off x="0" y="0"/>
+          <a:ext cx="0" cy="0"/>
+          <a:chOff x="0" y="0"/>
+          <a:chExt cx="0" cy="0"/>
+        </a:xfrm>
+      </p:grpSpPr>
+      <p:sp>
+        <p:nvSpPr>
+          <p:cNvPr id="2" name="Title 1">
+            <a:extLst>
+              <a:ext uri="{FF2B5EF4-FFF2-40B4-BE49-F238E27FC236}">
+                <a16:creationId xmlns:a16="http://schemas.microsoft.com/office/drawing/2014/main" id="{72741B82-7CB9-504D-8B1A-384A1C8FE3CC}"/>
+              </a:ext>
+            </a:extLst>
+          </p:cNvPr>
+          <p:cNvSpPr>
+            <a:spLocks noGrp="1"/>
+          </p:cNvSpPr>
+          <p:nvPr>
+            <p:ph type="title"/>
+          </p:nvPr>
+        </p:nvSpPr>
+        <p:spPr/>
+        <p:txBody>
+          <a:bodyPr/>
+          <a:lstStyle/>
+          <a:p>
+            <a:r>
+              <a:rPr lang="en-US"/>
+              <a:t>Step 3: EDA</a:t>
+            </a:r>
+            <a:endParaRPr lang="en-US" dirty="0"/>
+          </a:p>
+        </p:txBody>
+      </p:sp>
+      <p:sp>
+        <p:nvSpPr>
+          <p:cNvPr id="3" name="Content Placeholder 2">
+            <a:extLst>
+              <a:ext uri="{FF2B5EF4-FFF2-40B4-BE49-F238E27FC236}">
+                <a16:creationId xmlns:a16="http://schemas.microsoft.com/office/drawing/2014/main" id="{3E6A16AA-F81B-EF4D-B20E-F1AF334FF9E6}"/>
+              </a:ext>
+            </a:extLst>
+          </p:cNvPr>
+          <p:cNvSpPr>
+            <a:spLocks noGrp="1"/>
+          </p:cNvSpPr>
+          <p:nvPr>
+            <p:ph idx="1"/>
+          </p:nvPr>
+        </p:nvSpPr>
+        <p:spPr>
+          <a:xfrm>
+            <a:off x="755582" y="1161928"/>
+            <a:ext cx="8946541" cy="922544"/>
+          </a:xfrm>
+        </p:spPr>
+        <p:txBody>
+          <a:bodyPr/>
+          <a:lstStyle/>
+          <a:p>
+            <a:pPr marL="0" indent="0">
+              <a:buNone/>
+            </a:pPr>
+            <a:r>
+              <a:rPr lang="en-US" dirty="0"/>
+              <a:t>Here are some of the observations and visual representations of the data we made during the EDA phase</a:t>
+            </a:r>
+          </a:p>
+        </p:txBody>
+      </p:sp>
+      <p:pic>
+        <p:nvPicPr>
+          <p:cNvPr id="8" name="Picture 7" descr="A screenshot of a cell phone&#10;&#10;Description automatically generated">
+            <a:extLst>
+              <a:ext uri="{FF2B5EF4-FFF2-40B4-BE49-F238E27FC236}">
+                <a16:creationId xmlns:a16="http://schemas.microsoft.com/office/drawing/2014/main" id="{627897FA-5A4E-4443-B8AD-87C1B9FACFA3}"/>
+              </a:ext>
+            </a:extLst>
+          </p:cNvPr>
+          <p:cNvPicPr>
+            <a:picLocks noChangeAspect="1"/>
+          </p:cNvPicPr>
+          <p:nvPr/>
+        </p:nvPicPr>
+        <p:blipFill>
+          <a:blip r:embed="rId2"/>
+          <a:stretch>
+            <a:fillRect/>
+          </a:stretch>
+        </p:blipFill>
+        <p:spPr>
+          <a:xfrm>
+            <a:off x="406871" y="2084472"/>
+            <a:ext cx="5324145" cy="4433252"/>
+          </a:xfrm>
+          <a:prstGeom prst="rect">
+            <a:avLst/>
+          </a:prstGeom>
+        </p:spPr>
+      </p:pic>
+      <p:pic>
+        <p:nvPicPr>
+          <p:cNvPr id="11" name="Picture 10" descr="A close up of a map&#10;&#10;Description automatically generated">
+            <a:extLst>
+              <a:ext uri="{FF2B5EF4-FFF2-40B4-BE49-F238E27FC236}">
+                <a16:creationId xmlns:a16="http://schemas.microsoft.com/office/drawing/2014/main" id="{1696530A-72EE-3640-885F-E2D240695C7C}"/>
+              </a:ext>
+            </a:extLst>
+          </p:cNvPr>
+          <p:cNvPicPr>
+            <a:picLocks noChangeAspect="1"/>
+          </p:cNvPicPr>
+          <p:nvPr/>
+        </p:nvPicPr>
+        <p:blipFill>
+          <a:blip r:embed="rId3"/>
+          <a:stretch>
+            <a:fillRect/>
+          </a:stretch>
+        </p:blipFill>
+        <p:spPr>
+          <a:xfrm>
+            <a:off x="5874354" y="2083921"/>
+            <a:ext cx="5706158" cy="4434354"/>
+          </a:xfrm>
+          <a:prstGeom prst="rect">
+            <a:avLst/>
+          </a:prstGeom>
+        </p:spPr>
+      </p:pic>
+    </p:spTree>
+    <p:extLst>
+      <p:ext uri="{BB962C8B-B14F-4D97-AF65-F5344CB8AC3E}">
+        <p14:creationId xmlns:p14="http://schemas.microsoft.com/office/powerpoint/2010/main" val="2918189641"/>
+      </p:ext>
+    </p:extLst>
+  </p:cSld>
+  <p:clrMapOvr>
+    <a:masterClrMapping/>
+  </p:clrMapOvr>
+</p:sld>
+</file>
+
+<file path=ppt/slides/slide6.xml><?xml version="1.0" encoding="utf-8"?>
+<p:sld xmlns:a="http://schemas.openxmlformats.org/drawingml/2006/main" xmlns:r="http://schemas.openxmlformats.org/officeDocument/2006/relationships" xmlns:p="http://schemas.openxmlformats.org/presentationml/2006/main">
+  <p:cSld>
+    <p:bg>
+      <p:bgPr>
+        <a:blipFill rotWithShape="1">
+          <a:blip r:embed="rId2">
+            <a:duotone>
+              <a:schemeClr val="bg2">
+                <a:shade val="69000"/>
+                <a:hueMod val="108000"/>
+                <a:satMod val="164000"/>
+                <a:lumMod val="74000"/>
+              </a:schemeClr>
+              <a:schemeClr val="bg2">
+                <a:tint val="96000"/>
+                <a:hueMod val="88000"/>
+                <a:satMod val="140000"/>
+                <a:lumMod val="132000"/>
+              </a:schemeClr>
+            </a:duotone>
+          </a:blip>
+          <a:stretch/>
+        </a:blipFill>
+        <a:effectLst/>
+      </p:bgPr>
+    </p:bg>
+    <p:spTree>
+      <p:nvGrpSpPr>
+        <p:cNvPr id="1" name=""/>
+        <p:cNvGrpSpPr/>
+        <p:nvPr/>
+      </p:nvGrpSpPr>
+      <p:grpSpPr>
+        <a:xfrm>
+          <a:off x="0" y="0"/>
+          <a:ext cx="0" cy="0"/>
+          <a:chOff x="0" y="0"/>
+          <a:chExt cx="0" cy="0"/>
+        </a:xfrm>
+      </p:grpSpPr>
+      <p:pic>
+        <p:nvPicPr>
+          <p:cNvPr id="35" name="Picture 9">
+            <a:extLst>
+              <a:ext uri="{FF2B5EF4-FFF2-40B4-BE49-F238E27FC236}">
+                <a16:creationId xmlns:a16="http://schemas.microsoft.com/office/drawing/2014/main" id="{DF19BAF3-7E20-4B9D-B544-BABAEEA1FA75}"/>
+              </a:ext>
+              <a:ext uri="{C183D7F6-B498-43B3-948B-1728B52AA6E4}">
+                <adec:decorative xmlns:adec="http://schemas.microsoft.com/office/drawing/2017/decorative" val="1"/>
+              </a:ext>
+            </a:extLst>
+          </p:cNvPr>
+          <p:cNvPicPr>
+            <a:picLocks noGrp="1" noRot="1" noChangeAspect="1" noMove="1" noResize="1" noEditPoints="1" noAdjustHandles="1" noChangeArrowheads="1" noChangeShapeType="1" noCrop="1"/>
+          </p:cNvPicPr>
+          <p:nvPr>
+            <p:extLst>
+              <p:ext uri="{386F3935-93C4-4BCD-93E2-E3B085C9AB24}">
+                <p16:designElem xmlns:p16="http://schemas.microsoft.com/office/powerpoint/2015/main" val="1"/>
+              </p:ext>
+            </p:extLst>
+          </p:nvPr>
+        </p:nvPicPr>
+        <p:blipFill rotWithShape="1">
+          <a:blip r:embed="rId3">
+            <a:extLst>
+              <a:ext uri="{28A0092B-C50C-407E-A947-70E740481C1C}">
+                <a14:useLocalDpi xmlns:a14="http://schemas.microsoft.com/office/drawing/2010/main" val="0"/>
+              </a:ext>
+            </a:extLst>
+          </a:blip>
+          <a:srcRect l="3613"/>
+          <a:stretch/>
+        </p:blipFill>
+        <p:spPr>
+          <a:xfrm>
+            <a:off x="0" y="2669685"/>
+            <a:ext cx="4037012" cy="4188315"/>
+          </a:xfrm>
+          <a:prstGeom prst="rect">
+            <a:avLst/>
+          </a:prstGeom>
+        </p:spPr>
+      </p:pic>
+      <p:pic>
+        <p:nvPicPr>
+          <p:cNvPr id="36" name="Picture 11">
+            <a:extLst>
+              <a:ext uri="{FF2B5EF4-FFF2-40B4-BE49-F238E27FC236}">
+                <a16:creationId xmlns:a16="http://schemas.microsoft.com/office/drawing/2014/main" id="{950648F4-ABCD-4DF0-8641-76CFB2354721}"/>
+              </a:ext>
+              <a:ext uri="{C183D7F6-B498-43B3-948B-1728B52AA6E4}">
+                <adec:decorative xmlns:adec="http://schemas.microsoft.com/office/drawing/2017/decorative" val="1"/>
+              </a:ext>
+            </a:extLst>
+          </p:cNvPr>
+          <p:cNvPicPr>
+            <a:picLocks noGrp="1" noRot="1" noChangeAspect="1" noMove="1" noResize="1" noEditPoints="1" noAdjustHandles="1" noChangeArrowheads="1" noChangeShapeType="1" noCrop="1"/>
+          </p:cNvPicPr>
+          <p:nvPr>
+            <p:extLst>
+              <p:ext uri="{386F3935-93C4-4BCD-93E2-E3B085C9AB24}">
+                <p16:designElem xmlns:p16="http://schemas.microsoft.com/office/powerpoint/2015/main" val="1"/>
+              </p:ext>
+            </p:extLst>
+          </p:nvPr>
+        </p:nvPicPr>
+        <p:blipFill rotWithShape="1">
+          <a:blip r:embed="rId4">
+            <a:extLst>
+              <a:ext uri="{28A0092B-C50C-407E-A947-70E740481C1C}">
+                <a14:useLocalDpi xmlns:a14="http://schemas.microsoft.com/office/drawing/2010/main" val="0"/>
+              </a:ext>
+            </a:extLst>
+          </a:blip>
+          <a:srcRect l="35640"/>
+          <a:stretch/>
+        </p:blipFill>
+        <p:spPr>
+          <a:xfrm>
+            <a:off x="0" y="2892347"/>
+            <a:ext cx="1522412" cy="2365453"/>
+          </a:xfrm>
+          <a:prstGeom prst="rect">
+            <a:avLst/>
+          </a:prstGeom>
+        </p:spPr>
+      </p:pic>
+      <p:sp>
+        <p:nvSpPr>
+          <p:cNvPr id="37" name="Oval 13">
+            <a:extLst>
+              <a:ext uri="{FF2B5EF4-FFF2-40B4-BE49-F238E27FC236}">
+                <a16:creationId xmlns:a16="http://schemas.microsoft.com/office/drawing/2014/main" id="{989BE678-777B-482A-A616-FEDC47B162E5}"/>
+              </a:ext>
+              <a:ext uri="{C183D7F6-B498-43B3-948B-1728B52AA6E4}">
+                <adec:decorative xmlns:adec="http://schemas.microsoft.com/office/drawing/2017/decorative" val="1"/>
+              </a:ext>
+            </a:extLst>
+          </p:cNvPr>
+          <p:cNvSpPr>
+            <a:spLocks noGrp="1" noRot="1" noChangeAspect="1" noMove="1" noResize="1" noEditPoints="1" noAdjustHandles="1" noChangeArrowheads="1" noChangeShapeType="1" noTextEdit="1"/>
+          </p:cNvSpPr>
+          <p:nvPr>
+            <p:extLst>
+              <p:ext uri="{386F3935-93C4-4BCD-93E2-E3B085C9AB24}">
+                <p16:designElem xmlns:p16="http://schemas.microsoft.com/office/powerpoint/2015/main" val="1"/>
+              </p:ext>
+            </p:extLst>
+          </p:nvPr>
+        </p:nvSpPr>
+        <p:spPr>
+          <a:xfrm>
+            <a:off x="8609012" y="1676400"/>
+            <a:ext cx="2819400" cy="2819400"/>
+          </a:xfrm>
+          <a:prstGeom prst="ellipse">
+            <a:avLst/>
+          </a:prstGeom>
+          <a:gradFill flip="none" rotWithShape="1">
+            <a:gsLst>
+              <a:gs pos="0">
+                <a:schemeClr val="bg2">
+                  <a:lumMod val="60000"/>
+                  <a:lumOff val="40000"/>
+                  <a:alpha val="7000"/>
+                </a:schemeClr>
+              </a:gs>
+              <a:gs pos="69000">
+                <a:schemeClr val="bg2">
+                  <a:lumMod val="60000"/>
+                  <a:lumOff val="40000"/>
+                  <a:alpha val="0"/>
+                </a:schemeClr>
+              </a:gs>
+              <a:gs pos="36000">
+                <a:schemeClr val="bg2">
+                  <a:lumMod val="60000"/>
+                  <a:lumOff val="40000"/>
+                  <a:alpha val="6000"/>
+                </a:schemeClr>
+              </a:gs>
+            </a:gsLst>
+            <a:path path="circle">
+              <a:fillToRect l="50000" t="50000" r="50000" b="50000"/>
+            </a:path>
+            <a:tileRect/>
+          </a:gradFill>
+          <a:ln>
+            <a:noFill/>
+          </a:ln>
+          <a:effectLst/>
+        </p:spPr>
+        <p:style>
+          <a:lnRef idx="1">
+            <a:schemeClr val="accent1"/>
+          </a:lnRef>
+          <a:fillRef idx="3">
+            <a:schemeClr val="accent1"/>
+          </a:fillRef>
+          <a:effectRef idx="2">
+            <a:schemeClr val="accent1"/>
+          </a:effectRef>
+          <a:fontRef idx="minor">
+            <a:schemeClr val="lt1"/>
+          </a:fontRef>
+        </p:style>
+      </p:sp>
+      <p:pic>
+        <p:nvPicPr>
+          <p:cNvPr id="38" name="Picture 15">
+            <a:extLst>
+              <a:ext uri="{FF2B5EF4-FFF2-40B4-BE49-F238E27FC236}">
+                <a16:creationId xmlns:a16="http://schemas.microsoft.com/office/drawing/2014/main" id="{CF1EB4BD-9C7E-4AA3-9681-C7EB0DA6250B}"/>
+              </a:ext>
+              <a:ext uri="{C183D7F6-B498-43B3-948B-1728B52AA6E4}">
+                <adec:decorative xmlns:adec="http://schemas.microsoft.com/office/drawing/2017/decorative" val="1"/>
+              </a:ext>
+            </a:extLst>
+          </p:cNvPr>
+          <p:cNvPicPr>
+            <a:picLocks noGrp="1" noRot="1" noChangeAspect="1" noMove="1" noResize="1" noEditPoints="1" noAdjustHandles="1" noChangeArrowheads="1" noChangeShapeType="1" noCrop="1"/>
+          </p:cNvPicPr>
+          <p:nvPr>
+            <p:extLst>
+              <p:ext uri="{386F3935-93C4-4BCD-93E2-E3B085C9AB24}">
+                <p16:designElem xmlns:p16="http://schemas.microsoft.com/office/powerpoint/2015/main" val="1"/>
+              </p:ext>
+            </p:extLst>
+          </p:nvPr>
+        </p:nvPicPr>
+        <p:blipFill rotWithShape="1">
+          <a:blip r:embed="rId5">
+            <a:extLst>
+              <a:ext uri="{28A0092B-C50C-407E-A947-70E740481C1C}">
+                <a14:useLocalDpi xmlns:a14="http://schemas.microsoft.com/office/drawing/2010/main" val="0"/>
+              </a:ext>
+            </a:extLst>
+          </a:blip>
+          <a:srcRect t="28813"/>
+          <a:stretch/>
+        </p:blipFill>
+        <p:spPr>
+          <a:xfrm>
+            <a:off x="7999412" y="0"/>
+            <a:ext cx="1603387" cy="1141407"/>
+          </a:xfrm>
+          <a:prstGeom prst="rect">
+            <a:avLst/>
+          </a:prstGeom>
+        </p:spPr>
+      </p:pic>
+      <p:pic>
+        <p:nvPicPr>
+          <p:cNvPr id="39" name="Picture 17">
+            <a:extLst>
+              <a:ext uri="{FF2B5EF4-FFF2-40B4-BE49-F238E27FC236}">
+                <a16:creationId xmlns:a16="http://schemas.microsoft.com/office/drawing/2014/main" id="{94AAE3AA-3759-4D28-B0EF-575F25A5146C}"/>
+              </a:ext>
+              <a:ext uri="{C183D7F6-B498-43B3-948B-1728B52AA6E4}">
+                <adec:decorative xmlns:adec="http://schemas.microsoft.com/office/drawing/2017/decorative" val="1"/>
+              </a:ext>
+            </a:extLst>
+          </p:cNvPr>
+          <p:cNvPicPr>
+            <a:picLocks noGrp="1" noRot="1" noChangeAspect="1" noMove="1" noResize="1" noEditPoints="1" noAdjustHandles="1" noChangeArrowheads="1" noChangeShapeType="1" noCrop="1"/>
+          </p:cNvPicPr>
+          <p:nvPr>
+            <p:extLst>
+              <p:ext uri="{386F3935-93C4-4BCD-93E2-E3B085C9AB24}">
+                <p16:designElem xmlns:p16="http://schemas.microsoft.com/office/powerpoint/2015/main" val="1"/>
+              </p:ext>
+            </p:extLst>
+          </p:nvPr>
+        </p:nvPicPr>
+        <p:blipFill rotWithShape="1">
+          <a:blip r:embed="rId6">
+            <a:extLst>
+              <a:ext uri="{28A0092B-C50C-407E-A947-70E740481C1C}">
+                <a14:useLocalDpi xmlns:a14="http://schemas.microsoft.com/office/drawing/2010/main" val="0"/>
+              </a:ext>
+            </a:extLst>
+          </a:blip>
+          <a:srcRect b="23320"/>
+          <a:stretch/>
+        </p:blipFill>
+        <p:spPr>
+          <a:xfrm>
+            <a:off x="8605878" y="6096000"/>
+            <a:ext cx="993734" cy="762000"/>
+          </a:xfrm>
+          <a:prstGeom prst="rect">
+            <a:avLst/>
+          </a:prstGeom>
+        </p:spPr>
+      </p:pic>
+      <p:sp>
+        <p:nvSpPr>
+          <p:cNvPr id="40" name="Rectangle 19">
+            <a:extLst>
+              <a:ext uri="{FF2B5EF4-FFF2-40B4-BE49-F238E27FC236}">
+                <a16:creationId xmlns:a16="http://schemas.microsoft.com/office/drawing/2014/main" id="{D28BE0C3-2102-4820-B88B-A448B1840D14}"/>
+              </a:ext>
+              <a:ext uri="{C183D7F6-B498-43B3-948B-1728B52AA6E4}">
+                <adec:decorative xmlns:adec="http://schemas.microsoft.com/office/drawing/2017/decorative" val="1"/>
+              </a:ext>
+            </a:extLst>
+          </p:cNvPr>
+          <p:cNvSpPr>
+            <a:spLocks noGrp="1" noRot="1" noChangeAspect="1" noMove="1" noResize="1" noEditPoints="1" noAdjustHandles="1" noChangeArrowheads="1" noChangeShapeType="1" noTextEdit="1"/>
+          </p:cNvSpPr>
+          <p:nvPr>
+            <p:extLst>
+              <p:ext uri="{386F3935-93C4-4BCD-93E2-E3B085C9AB24}">
+                <p16:designElem xmlns:p16="http://schemas.microsoft.com/office/powerpoint/2015/main" val="1"/>
+              </p:ext>
+            </p:extLst>
+          </p:nvPr>
+        </p:nvSpPr>
+        <p:spPr>
+          <a:xfrm>
+            <a:off x="10437812" y="0"/>
+            <a:ext cx="685800" cy="1143000"/>
+          </a:xfrm>
+          <a:prstGeom prst="rect">
+            <a:avLst/>
+          </a:prstGeom>
+          <a:solidFill>
+            <a:schemeClr val="accent1"/>
+          </a:solidFill>
+          <a:ln>
+            <a:noFill/>
+          </a:ln>
+        </p:spPr>
+        <p:style>
+          <a:lnRef idx="1">
+            <a:schemeClr val="accent1"/>
+          </a:lnRef>
+          <a:fillRef idx="3">
+            <a:schemeClr val="accent1"/>
+          </a:fillRef>
+          <a:effectRef idx="2">
+            <a:schemeClr val="accent1"/>
+          </a:effectRef>
+          <a:fontRef idx="minor">
+            <a:schemeClr val="lt1"/>
+          </a:fontRef>
+        </p:style>
+      </p:sp>
+      <p:sp>
+        <p:nvSpPr>
+          <p:cNvPr id="2" name="Title 1">
+            <a:extLst>
+              <a:ext uri="{FF2B5EF4-FFF2-40B4-BE49-F238E27FC236}">
+                <a16:creationId xmlns:a16="http://schemas.microsoft.com/office/drawing/2014/main" id="{72741B82-7CB9-504D-8B1A-384A1C8FE3CC}"/>
+              </a:ext>
+            </a:extLst>
+          </p:cNvPr>
+          <p:cNvSpPr>
+            <a:spLocks noGrp="1"/>
+          </p:cNvSpPr>
+          <p:nvPr>
+            <p:ph type="title"/>
+          </p:nvPr>
+        </p:nvSpPr>
+        <p:spPr>
+          <a:xfrm>
+            <a:off x="5282382" y="1454964"/>
+            <a:ext cx="6261917" cy="3308840"/>
+          </a:xfrm>
+        </p:spPr>
+        <p:txBody>
+          <a:bodyPr vert="horz" lIns="91440" tIns="45720" rIns="91440" bIns="45720" rtlCol="0" anchor="b">
+            <a:normAutofit/>
+          </a:bodyPr>
+          <a:lstStyle/>
+          <a:p>
+            <a:r>
+              <a:rPr lang="en-US" sz="7200" dirty="0"/>
+              <a:t>Step 3: EDA (continued)</a:t>
+            </a:r>
+          </a:p>
+        </p:txBody>
+      </p:sp>
+      <p:pic>
+        <p:nvPicPr>
+          <p:cNvPr id="5" name="Picture 4" descr="A close up of a map&#10;&#10;Description automatically generated">
+            <a:extLst>
+              <a:ext uri="{FF2B5EF4-FFF2-40B4-BE49-F238E27FC236}">
+                <a16:creationId xmlns:a16="http://schemas.microsoft.com/office/drawing/2014/main" id="{202A6406-B0F6-464E-A018-6F75B7997E1D}"/>
+              </a:ext>
+            </a:extLst>
+          </p:cNvPr>
+          <p:cNvPicPr>
+            <a:picLocks noChangeAspect="1"/>
+          </p:cNvPicPr>
+          <p:nvPr/>
+        </p:nvPicPr>
+        <p:blipFill rotWithShape="1">
+          <a:blip r:embed="rId7"/>
+          <a:srcRect r="7740"/>
+          <a:stretch/>
+        </p:blipFill>
+        <p:spPr>
+          <a:xfrm>
+            <a:off x="-1" y="10"/>
+            <a:ext cx="4634681" cy="6857990"/>
+          </a:xfrm>
+          <a:prstGeom prst="rect">
+            <a:avLst/>
+          </a:prstGeom>
+        </p:spPr>
+      </p:pic>
+    </p:spTree>
+    <p:extLst>
+      <p:ext uri="{BB962C8B-B14F-4D97-AF65-F5344CB8AC3E}">
+        <p14:creationId xmlns:p14="http://schemas.microsoft.com/office/powerpoint/2010/main" val="3397283513"/>
+      </p:ext>
+    </p:extLst>
+  </p:cSld>
+  <p:clrMapOvr>
+    <a:masterClrMapping/>
+  </p:clrMapOvr>
+</p:sld>
+</file>
+
+<file path=ppt/slides/slide7.xml><?xml version="1.0" encoding="utf-8"?>
+<p:sld xmlns:a="http://schemas.openxmlformats.org/drawingml/2006/main" xmlns:r="http://schemas.openxmlformats.org/officeDocument/2006/relationships" xmlns:p="http://schemas.openxmlformats.org/presentationml/2006/main">
+  <p:cSld>
+    <p:bg>
+      <p:bgPr>
+        <a:blipFill rotWithShape="1">
+          <a:blip r:embed="rId2">
+            <a:duotone>
+              <a:schemeClr val="bg2">
+                <a:shade val="69000"/>
+                <a:hueMod val="108000"/>
+                <a:satMod val="164000"/>
+                <a:lumMod val="74000"/>
+              </a:schemeClr>
+              <a:schemeClr val="bg2">
+                <a:tint val="96000"/>
+                <a:hueMod val="88000"/>
+                <a:satMod val="140000"/>
+                <a:lumMod val="132000"/>
+              </a:schemeClr>
+            </a:duotone>
+          </a:blip>
+          <a:stretch/>
+        </a:blipFill>
+        <a:effectLst/>
+      </p:bgPr>
+    </p:bg>
+    <p:spTree>
+      <p:nvGrpSpPr>
+        <p:cNvPr id="1" name=""/>
+        <p:cNvGrpSpPr/>
+        <p:nvPr/>
+      </p:nvGrpSpPr>
+      <p:grpSpPr>
+        <a:xfrm>
+          <a:off x="0" y="0"/>
+          <a:ext cx="0" cy="0"/>
+          <a:chOff x="0" y="0"/>
+          <a:chExt cx="0" cy="0"/>
+        </a:xfrm>
+      </p:grpSpPr>
+      <p:sp>
+        <p:nvSpPr>
+          <p:cNvPr id="2" name="Title 1">
+            <a:extLst>
+              <a:ext uri="{FF2B5EF4-FFF2-40B4-BE49-F238E27FC236}">
+                <a16:creationId xmlns:a16="http://schemas.microsoft.com/office/drawing/2014/main" id="{5C0F127E-9C6B-7A40-AD88-9F2D62F41465}"/>
+              </a:ext>
+            </a:extLst>
+          </p:cNvPr>
+          <p:cNvSpPr>
+            <a:spLocks noGrp="1"/>
+          </p:cNvSpPr>
+          <p:nvPr>
+            <p:ph type="title"/>
+          </p:nvPr>
+        </p:nvSpPr>
+        <p:spPr>
+          <a:xfrm>
+            <a:off x="237506" y="629267"/>
+            <a:ext cx="10177154" cy="793450"/>
+          </a:xfrm>
+        </p:spPr>
+        <p:txBody>
+          <a:bodyPr>
+            <a:normAutofit fontScale="90000"/>
+          </a:bodyPr>
+          <a:lstStyle/>
+          <a:p>
+            <a:pPr>
+              <a:lnSpc>
+                <a:spcPct val="90000"/>
+              </a:lnSpc>
+            </a:pPr>
+            <a:r>
+              <a:rPr lang="en-US" sz="3000" dirty="0"/>
+              <a:t>Step 4: Graph relationship between all relevant variables and price </a:t>
+            </a:r>
+          </a:p>
+        </p:txBody>
+      </p:sp>
+      <p:sp>
+        <p:nvSpPr>
+          <p:cNvPr id="3" name="Content Placeholder 2">
+            <a:extLst>
+              <a:ext uri="{FF2B5EF4-FFF2-40B4-BE49-F238E27FC236}">
+                <a16:creationId xmlns:a16="http://schemas.microsoft.com/office/drawing/2014/main" id="{4306095F-A6BA-0F44-A11A-7C631BF0FEFE}"/>
+              </a:ext>
+            </a:extLst>
+          </p:cNvPr>
+          <p:cNvSpPr>
+            <a:spLocks noGrp="1"/>
+          </p:cNvSpPr>
+          <p:nvPr>
+            <p:ph idx="1"/>
+          </p:nvPr>
+        </p:nvSpPr>
+        <p:spPr>
+          <a:xfrm>
+            <a:off x="1103310" y="1548617"/>
+            <a:ext cx="10089623" cy="793450"/>
+          </a:xfrm>
+        </p:spPr>
+        <p:txBody>
+          <a:bodyPr>
+            <a:normAutofit/>
+          </a:bodyPr>
+          <a:lstStyle/>
+          <a:p>
+            <a:r>
+              <a:rPr lang="en-US" dirty="0"/>
+              <a:t>We tested most variables to establish their relationship with price and identify the relevant ones for model testing</a:t>
+            </a:r>
+          </a:p>
+        </p:txBody>
+      </p:sp>
+      <p:pic>
+        <p:nvPicPr>
+          <p:cNvPr id="5" name="Picture 4" descr="A screenshot of a map&#10;&#10;Description automatically generated">
+            <a:extLst>
+              <a:ext uri="{FF2B5EF4-FFF2-40B4-BE49-F238E27FC236}">
+                <a16:creationId xmlns:a16="http://schemas.microsoft.com/office/drawing/2014/main" id="{D2978553-3A8D-FF4A-A3D2-F60B0F6976AB}"/>
+              </a:ext>
+            </a:extLst>
+          </p:cNvPr>
+          <p:cNvPicPr>
+            <a:picLocks noChangeAspect="1"/>
+          </p:cNvPicPr>
+          <p:nvPr/>
+        </p:nvPicPr>
+        <p:blipFill>
+          <a:blip r:embed="rId3"/>
+          <a:stretch>
+            <a:fillRect/>
+          </a:stretch>
+        </p:blipFill>
+        <p:spPr>
+          <a:xfrm>
+            <a:off x="1610428" y="2342067"/>
+            <a:ext cx="8971144" cy="4107129"/>
+          </a:xfrm>
+          <a:prstGeom prst="rect">
+            <a:avLst/>
+          </a:prstGeom>
+          <a:effectLst>
+            <a:outerShdw blurRad="50800" dist="38100" dir="5400000" algn="t" rotWithShape="0">
+              <a:prstClr val="black">
+                <a:alpha val="43000"/>
+              </a:prstClr>
+            </a:outerShdw>
+          </a:effectLst>
+        </p:spPr>
+      </p:pic>
+    </p:spTree>
+    <p:extLst>
+      <p:ext uri="{BB962C8B-B14F-4D97-AF65-F5344CB8AC3E}">
+        <p14:creationId xmlns:p14="http://schemas.microsoft.com/office/powerpoint/2010/main" val="1598380260"/>
+      </p:ext>
+    </p:extLst>
+  </p:cSld>
+  <p:clrMapOvr>
+    <a:masterClrMapping/>
+  </p:clrMapOvr>
+</p:sld>
+</file>
+
+<file path=ppt/slides/slide8.xml><?xml version="1.0" encoding="utf-8"?>
+<p:sld xmlns:a="http://schemas.openxmlformats.org/drawingml/2006/main" xmlns:r="http://schemas.openxmlformats.org/officeDocument/2006/relationships" xmlns:p="http://schemas.openxmlformats.org/presentationml/2006/main">
+  <p:cSld>
+    <p:spTree>
+      <p:nvGrpSpPr>
+        <p:cNvPr id="1" name=""/>
+        <p:cNvGrpSpPr/>
+        <p:nvPr/>
+      </p:nvGrpSpPr>
+      <p:grpSpPr>
+        <a:xfrm>
+          <a:off x="0" y="0"/>
+          <a:ext cx="0" cy="0"/>
+          <a:chOff x="0" y="0"/>
+          <a:chExt cx="0" cy="0"/>
+        </a:xfrm>
+      </p:grpSpPr>
+      <p:sp>
+        <p:nvSpPr>
+          <p:cNvPr id="2" name="Title 1">
+            <a:extLst>
+              <a:ext uri="{FF2B5EF4-FFF2-40B4-BE49-F238E27FC236}">
+                <a16:creationId xmlns:a16="http://schemas.microsoft.com/office/drawing/2014/main" id="{C5830604-7F2C-184D-B490-7173DFDD308F}"/>
+              </a:ext>
+            </a:extLst>
+          </p:cNvPr>
+          <p:cNvSpPr>
+            <a:spLocks noGrp="1"/>
+          </p:cNvSpPr>
+          <p:nvPr>
+            <p:ph type="title"/>
+          </p:nvPr>
+        </p:nvSpPr>
+        <p:spPr/>
+        <p:txBody>
+          <a:bodyPr/>
+          <a:lstStyle/>
+          <a:p>
+            <a:r>
+              <a:rPr lang="en-US" dirty="0"/>
+              <a:t>Step 5: Model Approach </a:t>
+            </a:r>
+          </a:p>
+        </p:txBody>
+      </p:sp>
+      <p:sp>
+        <p:nvSpPr>
+          <p:cNvPr id="3" name="Content Placeholder 2">
+            <a:extLst>
+              <a:ext uri="{FF2B5EF4-FFF2-40B4-BE49-F238E27FC236}">
+                <a16:creationId xmlns:a16="http://schemas.microsoft.com/office/drawing/2014/main" id="{FC183195-8097-924D-AE6C-71F1FE49986B}"/>
+              </a:ext>
+            </a:extLst>
+          </p:cNvPr>
+          <p:cNvSpPr>
+            <a:spLocks noGrp="1"/>
+          </p:cNvSpPr>
+          <p:nvPr>
+            <p:ph idx="1"/>
+          </p:nvPr>
+        </p:nvSpPr>
+        <p:spPr>
+          <a:xfrm>
+            <a:off x="875201" y="1550642"/>
+            <a:ext cx="8946541" cy="4195481"/>
+          </a:xfrm>
+        </p:spPr>
+        <p:txBody>
+          <a:bodyPr/>
+          <a:lstStyle/>
+          <a:p>
+            <a:r>
+              <a:rPr lang="en-US" dirty="0"/>
+              <a:t>To answer our questions, we decided to run two models with slight alterations.</a:t>
+            </a:r>
+          </a:p>
+          <a:p>
+            <a:pPr lvl="2"/>
+            <a:r>
+              <a:rPr lang="en-US" dirty="0"/>
+              <a:t>Model 1: Run OLS model on price and two independent variables without removing data outliers before selecting our sample</a:t>
+            </a:r>
+          </a:p>
+          <a:p>
+            <a:pPr lvl="2"/>
+            <a:r>
+              <a:rPr lang="en-US" dirty="0"/>
+              <a:t>Model 2: Run OLS model on price and two independent variables with outliers removed using standard deviation </a:t>
+            </a:r>
+          </a:p>
+          <a:p>
+            <a:pPr lvl="2"/>
+            <a:endParaRPr lang="en-US" dirty="0"/>
+          </a:p>
+        </p:txBody>
+      </p:sp>
+    </p:spTree>
+    <p:extLst>
+      <p:ext uri="{BB962C8B-B14F-4D97-AF65-F5344CB8AC3E}">
+        <p14:creationId xmlns:p14="http://schemas.microsoft.com/office/powerpoint/2010/main" val="3965267573"/>
+      </p:ext>
+    </p:extLst>
+  </p:cSld>
+  <p:clrMapOvr>
+    <a:masterClrMapping/>
+  </p:clrMapOvr>
+</p:sld>
+</file>
+
+<file path=ppt/slides/slide9.xml><?xml version="1.0" encoding="utf-8"?>
+<p:sld xmlns:a="http://schemas.openxmlformats.org/drawingml/2006/main" xmlns:r="http://schemas.openxmlformats.org/officeDocument/2006/relationships" xmlns:p="http://schemas.openxmlformats.org/presentationml/2006/main">
+  <p:cSld>
+    <p:bg>
+      <p:bgPr>
+        <a:solidFill>
+          <a:schemeClr val="bg1"/>
+        </a:solidFill>
+        <a:effectLst/>
+      </p:bgPr>
+    </p:bg>
+    <p:spTree>
+      <p:nvGrpSpPr>
+        <p:cNvPr id="1" name=""/>
+        <p:cNvGrpSpPr/>
+        <p:nvPr/>
+      </p:nvGrpSpPr>
+      <p:grpSpPr>
+        <a:xfrm>
+          <a:off x="0" y="0"/>
+          <a:ext cx="0" cy="0"/>
+          <a:chOff x="0" y="0"/>
+          <a:chExt cx="0" cy="0"/>
+        </a:xfrm>
+      </p:grpSpPr>
+      <p:pic>
+        <p:nvPicPr>
+          <p:cNvPr id="66" name="Picture 65">
+            <a:extLst>
+              <a:ext uri="{FF2B5EF4-FFF2-40B4-BE49-F238E27FC236}">
+                <a16:creationId xmlns:a16="http://schemas.microsoft.com/office/drawing/2014/main" id="{41B68C77-138E-4BF7-A276-BD0C78A4219F}"/>
+              </a:ext>
+              <a:ext uri="{C183D7F6-B498-43B3-948B-1728B52AA6E4}">
+                <adec:decorative xmlns:adec="http://schemas.microsoft.com/office/drawing/2017/decorative" val="1"/>
+              </a:ext>
+            </a:extLst>
+          </p:cNvPr>
+          <p:cNvPicPr>
+            <a:picLocks noGrp="1" noRot="1" noChangeAspect="1" noMove="1" noResize="1" noEditPoints="1" noAdjustHandles="1" noChangeArrowheads="1" noChangeShapeType="1" noCrop="1"/>
+          </p:cNvPicPr>
+          <p:nvPr>
+            <p:extLst>
+              <p:ext uri="{386F3935-93C4-4BCD-93E2-E3B085C9AB24}">
+                <p16:designElem xmlns:p16="http://schemas.microsoft.com/office/powerpoint/2015/main" val="1"/>
+              </p:ext>
+            </p:extLst>
+          </p:nvPr>
+        </p:nvPicPr>
+        <p:blipFill rotWithShape="1">
+          <a:blip r:embed="rId2">
+            <a:extLst>
+              <a:ext uri="{28A0092B-C50C-407E-A947-70E740481C1C}">
+                <a14:useLocalDpi xmlns:a14="http://schemas.microsoft.com/office/drawing/2010/main" val="0"/>
+              </a:ext>
+            </a:extLst>
+          </a:blip>
+          <a:srcRect l="3613"/>
+          <a:stretch/>
+        </p:blipFill>
+        <p:spPr>
+          <a:xfrm>
+            <a:off x="0" y="2669685"/>
+            <a:ext cx="4037012" cy="4188315"/>
+          </a:xfrm>
+          <a:prstGeom prst="rect">
+            <a:avLst/>
+          </a:prstGeom>
+        </p:spPr>
+      </p:pic>
+      <p:pic>
+        <p:nvPicPr>
+          <p:cNvPr id="68" name="Picture 67">
+            <a:extLst>
+              <a:ext uri="{FF2B5EF4-FFF2-40B4-BE49-F238E27FC236}">
+                <a16:creationId xmlns:a16="http://schemas.microsoft.com/office/drawing/2014/main" id="{7C268552-D473-46ED-B1B8-422042C4DEF1}"/>
+              </a:ext>
+              <a:ext uri="{C183D7F6-B498-43B3-948B-1728B52AA6E4}">
+                <adec:decorative xmlns:adec="http://schemas.microsoft.com/office/drawing/2017/decorative" val="1"/>
+              </a:ext>
+            </a:extLst>
+          </p:cNvPr>
+          <p:cNvPicPr>
+            <a:picLocks noGrp="1" noRot="1" noChangeAspect="1" noMove="1" noResize="1" noEditPoints="1" noAdjustHandles="1" noChangeArrowheads="1" noChangeShapeType="1" noCrop="1"/>
+          </p:cNvPicPr>
+          <p:nvPr>
+            <p:extLst>
+              <p:ext uri="{386F3935-93C4-4BCD-93E2-E3B085C9AB24}">
+                <p16:designElem xmlns:p16="http://schemas.microsoft.com/office/powerpoint/2015/main" val="1"/>
+              </p:ext>
+            </p:extLst>
+          </p:nvPr>
+        </p:nvPicPr>
+        <p:blipFill rotWithShape="1">
+          <a:blip r:embed="rId3">
+            <a:extLst>
+              <a:ext uri="{28A0092B-C50C-407E-A947-70E740481C1C}">
+                <a14:useLocalDpi xmlns:a14="http://schemas.microsoft.com/office/drawing/2010/main" val="0"/>
+              </a:ext>
+            </a:extLst>
+          </a:blip>
+          <a:srcRect l="35640"/>
+          <a:stretch/>
+        </p:blipFill>
+        <p:spPr>
+          <a:xfrm>
+            <a:off x="0" y="2892347"/>
+            <a:ext cx="1522412" cy="2365453"/>
+          </a:xfrm>
+          <a:prstGeom prst="rect">
+            <a:avLst/>
+          </a:prstGeom>
+        </p:spPr>
+      </p:pic>
+      <p:sp>
+        <p:nvSpPr>
+          <p:cNvPr id="70" name="Oval 69">
+            <a:extLst>
+              <a:ext uri="{FF2B5EF4-FFF2-40B4-BE49-F238E27FC236}">
+                <a16:creationId xmlns:a16="http://schemas.microsoft.com/office/drawing/2014/main" id="{4AC0CD9D-7610-4620-93B4-798CCD9AB581}"/>
+              </a:ext>
+              <a:ext uri="{C183D7F6-B498-43B3-948B-1728B52AA6E4}">
+                <adec:decorative xmlns:adec="http://schemas.microsoft.com/office/drawing/2017/decorative" val="1"/>
+              </a:ext>
+            </a:extLst>
+          </p:cNvPr>
+          <p:cNvSpPr>
+            <a:spLocks noGrp="1" noRot="1" noChangeAspect="1" noMove="1" noResize="1" noEditPoints="1" noAdjustHandles="1" noChangeArrowheads="1" noChangeShapeType="1" noTextEdit="1"/>
+          </p:cNvSpPr>
+          <p:nvPr>
+            <p:extLst>
+              <p:ext uri="{386F3935-93C4-4BCD-93E2-E3B085C9AB24}">
+                <p16:designElem xmlns:p16="http://schemas.microsoft.com/office/powerpoint/2015/main" val="1"/>
+              </p:ext>
+            </p:extLst>
+          </p:nvPr>
+        </p:nvSpPr>
+        <p:spPr>
+          <a:xfrm>
+            <a:off x="8609012" y="1676400"/>
+            <a:ext cx="2819400" cy="2819400"/>
+          </a:xfrm>
+          <a:prstGeom prst="ellipse">
+            <a:avLst/>
+          </a:prstGeom>
+          <a:gradFill flip="none" rotWithShape="1">
+            <a:gsLst>
+              <a:gs pos="0">
+                <a:schemeClr val="bg2">
+                  <a:lumMod val="60000"/>
+                  <a:lumOff val="40000"/>
+                  <a:alpha val="7000"/>
+                </a:schemeClr>
+              </a:gs>
+              <a:gs pos="69000">
+                <a:schemeClr val="bg2">
+                  <a:lumMod val="60000"/>
+                  <a:lumOff val="40000"/>
+                  <a:alpha val="0"/>
+                </a:schemeClr>
+              </a:gs>
+              <a:gs pos="36000">
+                <a:schemeClr val="bg2">
+                  <a:lumMod val="60000"/>
+                  <a:lumOff val="40000"/>
+                  <a:alpha val="6000"/>
+                </a:schemeClr>
+              </a:gs>
+            </a:gsLst>
+            <a:path path="circle">
+              <a:fillToRect l="50000" t="50000" r="50000" b="50000"/>
+            </a:path>
+            <a:tileRect/>
+          </a:gradFill>
+          <a:ln>
+            <a:noFill/>
+          </a:ln>
+          <a:effectLst/>
+        </p:spPr>
+        <p:style>
+          <a:lnRef idx="1">
+            <a:schemeClr val="accent1"/>
+          </a:lnRef>
+          <a:fillRef idx="3">
+            <a:schemeClr val="accent1"/>
+          </a:fillRef>
+          <a:effectRef idx="2">
+            <a:schemeClr val="accent1"/>
+          </a:effectRef>
+          <a:fontRef idx="minor">
+            <a:schemeClr val="lt1"/>
+          </a:fontRef>
+        </p:style>
+      </p:sp>
+      <p:pic>
+        <p:nvPicPr>
+          <p:cNvPr id="72" name="Picture 71">
+            <a:extLst>
+              <a:ext uri="{FF2B5EF4-FFF2-40B4-BE49-F238E27FC236}">
+                <a16:creationId xmlns:a16="http://schemas.microsoft.com/office/drawing/2014/main" id="{B9238B3E-24AA-439A-B527-6C5DF6D72145}"/>
+              </a:ext>
+              <a:ext uri="{C183D7F6-B498-43B3-948B-1728B52AA6E4}">
+                <adec:decorative xmlns:adec="http://schemas.microsoft.com/office/drawing/2017/decorative" val="1"/>
+              </a:ext>
+            </a:extLst>
+          </p:cNvPr>
+          <p:cNvPicPr>
+            <a:picLocks noGrp="1" noRot="1" noChangeAspect="1" noMove="1" noResize="1" noEditPoints="1" noAdjustHandles="1" noChangeArrowheads="1" noChangeShapeType="1" noCrop="1"/>
+          </p:cNvPicPr>
+          <p:nvPr>
+            <p:extLst>
+              <p:ext uri="{386F3935-93C4-4BCD-93E2-E3B085C9AB24}">
+                <p16:designElem xmlns:p16="http://schemas.microsoft.com/office/powerpoint/2015/main" val="1"/>
+              </p:ext>
+            </p:extLst>
+          </p:nvPr>
+        </p:nvPicPr>
+        <p:blipFill rotWithShape="1">
+          <a:blip r:embed="rId4">
+            <a:extLst>
+              <a:ext uri="{28A0092B-C50C-407E-A947-70E740481C1C}">
+                <a14:useLocalDpi xmlns:a14="http://schemas.microsoft.com/office/drawing/2010/main" val="0"/>
+              </a:ext>
+            </a:extLst>
+          </a:blip>
+          <a:srcRect t="28813"/>
+          <a:stretch/>
+        </p:blipFill>
+        <p:spPr>
+          <a:xfrm>
+            <a:off x="7999412" y="0"/>
+            <a:ext cx="1603387" cy="1141407"/>
+          </a:xfrm>
+          <a:prstGeom prst="rect">
+            <a:avLst/>
+          </a:prstGeom>
+        </p:spPr>
+      </p:pic>
+      <p:pic>
+        <p:nvPicPr>
+          <p:cNvPr id="74" name="Picture 73">
+            <a:extLst>
+              <a:ext uri="{FF2B5EF4-FFF2-40B4-BE49-F238E27FC236}">
+                <a16:creationId xmlns:a16="http://schemas.microsoft.com/office/drawing/2014/main" id="{69F01145-BEA3-4CBF-AA21-10077B948CA8}"/>
+              </a:ext>
+              <a:ext uri="{C183D7F6-B498-43B3-948B-1728B52AA6E4}">
+                <adec:decorative xmlns:adec="http://schemas.microsoft.com/office/drawing/2017/decorative" val="1"/>
+              </a:ext>
+            </a:extLst>
+          </p:cNvPr>
+          <p:cNvPicPr>
+            <a:picLocks noGrp="1" noRot="1" noChangeAspect="1" noMove="1" noResize="1" noEditPoints="1" noAdjustHandles="1" noChangeArrowheads="1" noChangeShapeType="1" noCrop="1"/>
+          </p:cNvPicPr>
+          <p:nvPr>
+            <p:extLst>
+              <p:ext uri="{386F3935-93C4-4BCD-93E2-E3B085C9AB24}">
+                <p16:designElem xmlns:p16="http://schemas.microsoft.com/office/powerpoint/2015/main" val="1"/>
+              </p:ext>
+            </p:extLst>
+          </p:nvPr>
+        </p:nvPicPr>
+        <p:blipFill rotWithShape="1">
+          <a:blip r:embed="rId5">
+            <a:extLst>
+              <a:ext uri="{28A0092B-C50C-407E-A947-70E740481C1C}">
+                <a14:useLocalDpi xmlns:a14="http://schemas.microsoft.com/office/drawing/2010/main" val="0"/>
+              </a:ext>
+            </a:extLst>
+          </a:blip>
+          <a:srcRect b="23320"/>
+          <a:stretch/>
+        </p:blipFill>
+        <p:spPr>
+          <a:xfrm>
+            <a:off x="8605878" y="6096000"/>
+            <a:ext cx="993734" cy="762000"/>
+          </a:xfrm>
+          <a:prstGeom prst="rect">
+            <a:avLst/>
+          </a:prstGeom>
+        </p:spPr>
+      </p:pic>
+      <p:sp>
+        <p:nvSpPr>
+          <p:cNvPr id="76" name="Rectangle 75">
+            <a:extLst>
+              <a:ext uri="{FF2B5EF4-FFF2-40B4-BE49-F238E27FC236}">
+                <a16:creationId xmlns:a16="http://schemas.microsoft.com/office/drawing/2014/main" id="{DE4D62F9-188E-4530-84C2-24BDEE4BEB82}"/>
+              </a:ext>
+              <a:ext uri="{C183D7F6-B498-43B3-948B-1728B52AA6E4}">
+                <adec:decorative xmlns:adec="http://schemas.microsoft.com/office/drawing/2017/decorative" val="1"/>
+              </a:ext>
+            </a:extLst>
+          </p:cNvPr>
+          <p:cNvSpPr>
+            <a:spLocks noGrp="1" noRot="1" noChangeAspect="1" noMove="1" noResize="1" noEditPoints="1" noAdjustHandles="1" noChangeArrowheads="1" noChangeShapeType="1" noTextEdit="1"/>
+          </p:cNvSpPr>
+          <p:nvPr>
+            <p:extLst>
+              <p:ext uri="{386F3935-93C4-4BCD-93E2-E3B085C9AB24}">
+                <p16:designElem xmlns:p16="http://schemas.microsoft.com/office/powerpoint/2015/main" val="1"/>
+              </p:ext>
+            </p:extLst>
+          </p:nvPr>
+        </p:nvSpPr>
+        <p:spPr>
+          <a:xfrm>
+            <a:off x="10437812" y="0"/>
+            <a:ext cx="685800" cy="1143000"/>
+          </a:xfrm>
+          <a:prstGeom prst="rect">
+            <a:avLst/>
+          </a:prstGeom>
+          <a:solidFill>
+            <a:schemeClr val="accent1"/>
+          </a:solidFill>
+          <a:ln>
+            <a:noFill/>
+          </a:ln>
+        </p:spPr>
+        <p:style>
+          <a:lnRef idx="1">
+            <a:schemeClr val="accent1"/>
+          </a:lnRef>
+          <a:fillRef idx="3">
+            <a:schemeClr val="accent1"/>
+          </a:fillRef>
+          <a:effectRef idx="2">
+            <a:schemeClr val="accent1"/>
+          </a:effectRef>
+          <a:fontRef idx="minor">
+            <a:schemeClr val="lt1"/>
+          </a:fontRef>
+        </p:style>
+      </p:sp>
+      <p:sp>
+        <p:nvSpPr>
+          <p:cNvPr id="78" name="Rectangle 77">
+            <a:extLst>
+              <a:ext uri="{FF2B5EF4-FFF2-40B4-BE49-F238E27FC236}">
+                <a16:creationId xmlns:a16="http://schemas.microsoft.com/office/drawing/2014/main" id="{F3F4807A-5068-4492-8025-D75F320E908D}"/>
+              </a:ext>
+              <a:ext uri="{C183D7F6-B498-43B3-948B-1728B52AA6E4}">
+                <adec:decorative xmlns:adec="http://schemas.microsoft.com/office/drawing/2017/decorative" val="1"/>
+              </a:ext>
+            </a:extLst>
+          </p:cNvPr>
+          <p:cNvSpPr>
+            <a:spLocks noGrp="1" noRot="1" noChangeAspect="1" noMove="1" noResize="1" noEditPoints="1" noAdjustHandles="1" noChangeArrowheads="1" noChangeShapeType="1" noTextEdit="1"/>
+          </p:cNvSpPr>
+          <p:nvPr>
+            <p:extLst>
+              <p:ext uri="{386F3935-93C4-4BCD-93E2-E3B085C9AB24}">
+                <p16:designElem xmlns:p16="http://schemas.microsoft.com/office/powerpoint/2015/main" val="1"/>
+              </p:ext>
+            </p:extLst>
+          </p:nvPr>
+        </p:nvSpPr>
+        <p:spPr>
+          <a:xfrm>
+            <a:off x="1" y="0"/>
+            <a:ext cx="12192000" cy="6858000"/>
+          </a:xfrm>
+          <a:prstGeom prst="rect">
+            <a:avLst/>
+          </a:prstGeom>
+          <a:ln>
+            <a:noFill/>
+          </a:ln>
+        </p:spPr>
+        <p:style>
+          <a:lnRef idx="2">
+            <a:schemeClr val="accent1">
+              <a:shade val="50000"/>
+            </a:schemeClr>
+          </a:lnRef>
+          <a:fillRef idx="1003">
+            <a:schemeClr val="dk2"/>
+          </a:fillRef>
+          <a:effectRef idx="0">
+            <a:schemeClr val="accent1"/>
+          </a:effectRef>
+          <a:fontRef idx="minor">
+            <a:schemeClr val="lt1"/>
+          </a:fontRef>
+        </p:style>
+        <p:txBody>
+          <a:bodyPr rtlCol="0" anchor="ctr"/>
+          <a:lstStyle/>
+          <a:p>
+            <a:pPr algn="ctr"/>
+            <a:endParaRPr lang="en-US"/>
+          </a:p>
+        </p:txBody>
+      </p:sp>
+      <p:sp>
+        <p:nvSpPr>
+          <p:cNvPr id="2" name="Title 1">
+            <a:extLst>
+              <a:ext uri="{FF2B5EF4-FFF2-40B4-BE49-F238E27FC236}">
+                <a16:creationId xmlns:a16="http://schemas.microsoft.com/office/drawing/2014/main" id="{B9E0BE3C-A965-1E46-BAA8-4B367D0E93C1}"/>
+              </a:ext>
+            </a:extLst>
+          </p:cNvPr>
+          <p:cNvSpPr>
+            <a:spLocks noGrp="1"/>
+          </p:cNvSpPr>
+          <p:nvPr>
+            <p:ph type="title"/>
+          </p:nvPr>
+        </p:nvSpPr>
+        <p:spPr>
+          <a:xfrm>
+            <a:off x="7385967" y="1325880"/>
+            <a:ext cx="4158334" cy="1491927"/>
+          </a:xfrm>
+        </p:spPr>
+        <p:txBody>
+          <a:bodyPr vert="horz" lIns="91440" tIns="45720" rIns="91440" bIns="45720" rtlCol="0" anchor="b">
+            <a:normAutofit fontScale="90000"/>
+          </a:bodyPr>
+          <a:lstStyle/>
+          <a:p>
+            <a:pPr>
+              <a:lnSpc>
+                <a:spcPct val="90000"/>
+              </a:lnSpc>
+            </a:pPr>
+            <a:r>
+              <a:rPr lang="en-US" sz="2500" b="0" i="0" kern="1200" dirty="0">
+                <a:solidFill>
+                  <a:srgbClr val="EBEBEB"/>
+                </a:solidFill>
+                <a:latin typeface="+mj-lt"/>
+                <a:ea typeface="+mj-ea"/>
+                <a:cs typeface="+mj-cs"/>
+              </a:rPr>
+              <a:t>Step 6: Build correlations table and matrix to get an overview variables &amp; elect variables</a:t>
+            </a:r>
+            <a:br>
+              <a:rPr lang="en-US" sz="2500" b="0" i="0" kern="1200" dirty="0">
+                <a:solidFill>
+                  <a:srgbClr val="EBEBEB"/>
+                </a:solidFill>
+                <a:latin typeface="+mj-lt"/>
+                <a:ea typeface="+mj-ea"/>
+                <a:cs typeface="+mj-cs"/>
+              </a:rPr>
+            </a:br>
+            <a:endParaRPr lang="en-US" sz="2500" b="0" i="0" kern="1200" dirty="0">
+              <a:solidFill>
+                <a:srgbClr val="EBEBEB"/>
+              </a:solidFill>
+              <a:latin typeface="+mj-lt"/>
+              <a:ea typeface="+mj-ea"/>
+              <a:cs typeface="+mj-cs"/>
+            </a:endParaRPr>
+          </a:p>
+        </p:txBody>
+      </p:sp>
+      <p:sp>
+        <p:nvSpPr>
+          <p:cNvPr id="3" name="Content Placeholder 2">
+            <a:extLst>
+              <a:ext uri="{FF2B5EF4-FFF2-40B4-BE49-F238E27FC236}">
+                <a16:creationId xmlns:a16="http://schemas.microsoft.com/office/drawing/2014/main" id="{04061CFD-85FE-BB4C-B701-120A80B9D58B}"/>
+              </a:ext>
+            </a:extLst>
+          </p:cNvPr>
+          <p:cNvSpPr>
+            <a:spLocks noGrp="1"/>
+          </p:cNvSpPr>
+          <p:nvPr>
+            <p:ph idx="1"/>
+          </p:nvPr>
+        </p:nvSpPr>
+        <p:spPr>
+          <a:xfrm>
+            <a:off x="7408194" y="2982350"/>
+            <a:ext cx="4158334" cy="2233041"/>
+          </a:xfrm>
+        </p:spPr>
+        <p:txBody>
+          <a:bodyPr vert="horz" lIns="91440" tIns="45720" rIns="91440" bIns="45720" rtlCol="0" anchor="t">
+            <a:normAutofit/>
+          </a:bodyPr>
+          <a:lstStyle/>
+          <a:p>
+            <a:pPr marL="0" indent="0">
+              <a:buNone/>
+            </a:pPr>
+            <a:r>
+              <a:rPr lang="en-US" sz="1800" cap="all" dirty="0">
+                <a:solidFill>
+                  <a:schemeClr val="tx2">
+                    <a:lumMod val="40000"/>
+                    <a:lumOff val="60000"/>
+                  </a:schemeClr>
+                </a:solidFill>
+              </a:rPr>
+              <a:t>a correlation table and matrix to determine which variables we would elect. </a:t>
+            </a:r>
+          </a:p>
+          <a:p>
+            <a:pPr marL="0" indent="0">
+              <a:buNone/>
+            </a:pPr>
+            <a:endParaRPr lang="en-US" sz="1800" cap="all" dirty="0">
+              <a:solidFill>
+                <a:schemeClr val="tx2">
+                  <a:lumMod val="40000"/>
+                  <a:lumOff val="60000"/>
+                </a:schemeClr>
+              </a:solidFill>
+            </a:endParaRPr>
+          </a:p>
+          <a:p>
+            <a:pPr marL="0" indent="0">
+              <a:buNone/>
+            </a:pPr>
+            <a:r>
+              <a:rPr lang="en-US" sz="1800" cap="all" dirty="0">
+                <a:solidFill>
+                  <a:schemeClr val="tx2">
+                    <a:lumMod val="40000"/>
+                    <a:lumOff val="60000"/>
+                  </a:schemeClr>
+                </a:solidFill>
+              </a:rPr>
+              <a:t>ELECTED SQFT_LIVING / GRADE AS THE TWO VARIABLES TO TEST. </a:t>
+            </a:r>
+          </a:p>
+        </p:txBody>
+      </p:sp>
+      <p:sp>
+        <p:nvSpPr>
+          <p:cNvPr id="80" name="Freeform 36">
+            <a:extLst>
+              <a:ext uri="{FF2B5EF4-FFF2-40B4-BE49-F238E27FC236}">
+                <a16:creationId xmlns:a16="http://schemas.microsoft.com/office/drawing/2014/main" id="{B24996F8-180C-4DCB-8A26-DFA336CDEFBC}"/>
+              </a:ext>
+              <a:ext uri="{C183D7F6-B498-43B3-948B-1728B52AA6E4}">
+                <adec:decorative xmlns:adec="http://schemas.microsoft.com/office/drawing/2017/decorative" val="1"/>
+              </a:ext>
+            </a:extLst>
+          </p:cNvPr>
+          <p:cNvSpPr>
+            <a:spLocks noGrp="1" noRot="1" noChangeAspect="1" noMove="1" noResize="1" noEditPoints="1" noAdjustHandles="1" noChangeArrowheads="1" noChangeShapeType="1" noTextEdit="1"/>
+          </p:cNvSpPr>
+          <p:nvPr>
+            <p:extLst>
+              <p:ext uri="{386F3935-93C4-4BCD-93E2-E3B085C9AB24}">
+                <p16:designElem xmlns:p16="http://schemas.microsoft.com/office/powerpoint/2015/main" val="1"/>
+              </p:ext>
+            </p:extLst>
+          </p:nvPr>
+        </p:nvSpPr>
+        <p:spPr>
+          <a:xfrm flipH="1">
+            <a:off x="6649646" y="-1"/>
+            <a:ext cx="559472" cy="3709642"/>
+          </a:xfrm>
+          <a:custGeom>
+            <a:avLst/>
+            <a:gdLst>
+              <a:gd name="connsiteX0" fmla="*/ 0 w 559472"/>
+              <a:gd name="connsiteY0" fmla="*/ 0 h 3709642"/>
+              <a:gd name="connsiteX1" fmla="*/ 473952 w 559472"/>
+              <a:gd name="connsiteY1" fmla="*/ 0 h 3709642"/>
+              <a:gd name="connsiteX2" fmla="*/ 485840 w 559472"/>
+              <a:gd name="connsiteY2" fmla="*/ 161194 h 3709642"/>
+              <a:gd name="connsiteX3" fmla="*/ 523949 w 559472"/>
+              <a:gd name="connsiteY3" fmla="*/ 3672197 h 3709642"/>
+              <a:gd name="connsiteX4" fmla="*/ 454748 w 559472"/>
+              <a:gd name="connsiteY4" fmla="*/ 3709642 h 3709642"/>
+              <a:gd name="connsiteX5" fmla="*/ 448224 w 559472"/>
+              <a:gd name="connsiteY5" fmla="*/ 3510471 h 3709642"/>
+              <a:gd name="connsiteX6" fmla="*/ 443564 w 559472"/>
+              <a:gd name="connsiteY6" fmla="*/ 3408563 h 3709642"/>
+              <a:gd name="connsiteX7" fmla="*/ 438902 w 559472"/>
+              <a:gd name="connsiteY7" fmla="*/ 3304407 h 3709642"/>
+              <a:gd name="connsiteX8" fmla="*/ 433941 w 559472"/>
+              <a:gd name="connsiteY8" fmla="*/ 3198777 h 3709642"/>
+              <a:gd name="connsiteX9" fmla="*/ 427584 w 559472"/>
+              <a:gd name="connsiteY9" fmla="*/ 3092510 h 3709642"/>
+              <a:gd name="connsiteX10" fmla="*/ 420988 w 559472"/>
+              <a:gd name="connsiteY10" fmla="*/ 2984390 h 3709642"/>
+              <a:gd name="connsiteX11" fmla="*/ 414330 w 559472"/>
+              <a:gd name="connsiteY11" fmla="*/ 2874401 h 3709642"/>
+              <a:gd name="connsiteX12" fmla="*/ 406840 w 559472"/>
+              <a:gd name="connsiteY12" fmla="*/ 2762980 h 3709642"/>
+              <a:gd name="connsiteX13" fmla="*/ 397745 w 559472"/>
+              <a:gd name="connsiteY13" fmla="*/ 2650566 h 3709642"/>
+              <a:gd name="connsiteX14" fmla="*/ 389154 w 559472"/>
+              <a:gd name="connsiteY14" fmla="*/ 2536612 h 3709642"/>
+              <a:gd name="connsiteX15" fmla="*/ 379225 w 559472"/>
+              <a:gd name="connsiteY15" fmla="*/ 2421642 h 3709642"/>
+              <a:gd name="connsiteX16" fmla="*/ 368316 w 559472"/>
+              <a:gd name="connsiteY16" fmla="*/ 2305627 h 3709642"/>
+              <a:gd name="connsiteX17" fmla="*/ 357466 w 559472"/>
+              <a:gd name="connsiteY17" fmla="*/ 2189233 h 3709642"/>
+              <a:gd name="connsiteX18" fmla="*/ 344982 w 559472"/>
+              <a:gd name="connsiteY18" fmla="*/ 2071473 h 3709642"/>
+              <a:gd name="connsiteX19" fmla="*/ 332466 w 559472"/>
+              <a:gd name="connsiteY19" fmla="*/ 1952216 h 3709642"/>
+              <a:gd name="connsiteX20" fmla="*/ 319121 w 559472"/>
+              <a:gd name="connsiteY20" fmla="*/ 1833776 h 3709642"/>
+              <a:gd name="connsiteX21" fmla="*/ 304408 w 559472"/>
+              <a:gd name="connsiteY21" fmla="*/ 1713948 h 3709642"/>
+              <a:gd name="connsiteX22" fmla="*/ 288685 w 559472"/>
+              <a:gd name="connsiteY22" fmla="*/ 1592703 h 3709642"/>
+              <a:gd name="connsiteX23" fmla="*/ 273050 w 559472"/>
+              <a:gd name="connsiteY23" fmla="*/ 1471451 h 3709642"/>
+              <a:gd name="connsiteX24" fmla="*/ 255813 w 559472"/>
+              <a:gd name="connsiteY24" fmla="*/ 1350328 h 3709642"/>
+              <a:gd name="connsiteX25" fmla="*/ 237060 w 559472"/>
+              <a:gd name="connsiteY25" fmla="*/ 1227080 h 3709642"/>
+              <a:gd name="connsiteX26" fmla="*/ 218488 w 559472"/>
+              <a:gd name="connsiteY26" fmla="*/ 1106065 h 3709642"/>
+              <a:gd name="connsiteX27" fmla="*/ 198221 w 559472"/>
+              <a:gd name="connsiteY27" fmla="*/ 982940 h 3709642"/>
+              <a:gd name="connsiteX28" fmla="*/ 177152 w 559472"/>
+              <a:gd name="connsiteY28" fmla="*/ 858755 h 3709642"/>
+              <a:gd name="connsiteX29" fmla="*/ 155551 w 559472"/>
+              <a:gd name="connsiteY29" fmla="*/ 736861 h 3709642"/>
+              <a:gd name="connsiteX30" fmla="*/ 131782 w 559472"/>
+              <a:gd name="connsiteY30" fmla="*/ 613645 h 3709642"/>
+              <a:gd name="connsiteX31" fmla="*/ 107123 w 559472"/>
+              <a:gd name="connsiteY31" fmla="*/ 490500 h 3709642"/>
+              <a:gd name="connsiteX32" fmla="*/ 82552 w 559472"/>
+              <a:gd name="connsiteY32" fmla="*/ 367348 h 3709642"/>
+              <a:gd name="connsiteX33" fmla="*/ 55608 w 559472"/>
+              <a:gd name="connsiteY33" fmla="*/ 244762 h 3709642"/>
+              <a:gd name="connsiteX34" fmla="*/ 28130 w 559472"/>
+              <a:gd name="connsiteY34" fmla="*/ 122220 h 3709642"/>
+              <a:gd name="connsiteX35" fmla="*/ 0 w 559472"/>
+              <a:gd name="connsiteY35" fmla="*/ 0 h 3709642"/>
+            </a:gdLst>
+            <a:ahLst/>
+            <a:cxnLst>
+              <a:cxn ang="0">
+                <a:pos x="connsiteX0" y="connsiteY0"/>
+              </a:cxn>
+              <a:cxn ang="0">
+                <a:pos x="connsiteX1" y="connsiteY1"/>
+              </a:cxn>
+              <a:cxn ang="0">
+                <a:pos x="connsiteX2" y="connsiteY2"/>
+              </a:cxn>
+              <a:cxn ang="0">
+                <a:pos x="connsiteX3" y="connsiteY3"/>
+              </a:cxn>
+              <a:cxn ang="0">
+                <a:pos x="connsiteX4" y="connsiteY4"/>
+              </a:cxn>
+              <a:cxn ang="0">
+                <a:pos x="connsiteX5" y="connsiteY5"/>
+              </a:cxn>
+              <a:cxn ang="0">
+                <a:pos x="connsiteX6" y="connsiteY6"/>
+              </a:cxn>
+              <a:cxn ang="0">
+                <a:pos x="connsiteX7" y="connsiteY7"/>
+              </a:cxn>
+              <a:cxn ang="0">
+                <a:pos x="connsiteX8" y="connsiteY8"/>
+              </a:cxn>
+              <a:cxn ang="0">
+                <a:pos x="connsiteX9" y="connsiteY9"/>
+              </a:cxn>
+              <a:cxn ang="0">
+                <a:pos x="connsiteX10" y="connsiteY10"/>
+              </a:cxn>
+              <a:cxn ang="0">
+                <a:pos x="connsiteX11" y="connsiteY11"/>
+              </a:cxn>
+              <a:cxn ang="0">
+                <a:pos x="connsiteX12" y="connsiteY12"/>
+              </a:cxn>
+              <a:cxn ang="0">
+                <a:pos x="connsiteX13" y="connsiteY13"/>
+              </a:cxn>
+              <a:cxn ang="0">
+                <a:pos x="connsiteX14" y="connsiteY14"/>
+              </a:cxn>
+              <a:cxn ang="0">
+                <a:pos x="connsiteX15" y="connsiteY15"/>
+              </a:cxn>
+              <a:cxn ang="0">
+                <a:pos x="connsiteX16" y="connsiteY16"/>
+              </a:cxn>
+              <a:cxn ang="0">
+                <a:pos x="connsiteX17" y="connsiteY17"/>
+              </a:cxn>
+              <a:cxn ang="0">
+                <a:pos x="connsiteX18" y="connsiteY18"/>
+              </a:cxn>
+              <a:cxn ang="0">
+                <a:pos x="connsiteX19" y="connsiteY19"/>
+              </a:cxn>
+              <a:cxn ang="0">
+                <a:pos x="connsiteX20" y="connsiteY20"/>
+              </a:cxn>
+              <a:cxn ang="0">
+                <a:pos x="connsiteX21" y="connsiteY21"/>
+              </a:cxn>
+              <a:cxn ang="0">
+                <a:pos x="connsiteX22" y="connsiteY22"/>
+              </a:cxn>
+              <a:cxn ang="0">
+                <a:pos x="connsiteX23" y="connsiteY23"/>
+              </a:cxn>
+              <a:cxn ang="0">
+                <a:pos x="connsiteX24" y="connsiteY24"/>
+              </a:cxn>
+              <a:cxn ang="0">
+                <a:pos x="connsiteX25" y="connsiteY25"/>
+              </a:cxn>
+              <a:cxn ang="0">
+                <a:pos x="connsiteX26" y="connsiteY26"/>
+              </a:cxn>
+              <a:cxn ang="0">
+                <a:pos x="connsiteX27" y="connsiteY27"/>
+              </a:cxn>
+              <a:cxn ang="0">
+                <a:pos x="connsiteX28" y="connsiteY28"/>
+              </a:cxn>
+              <a:cxn ang="0">
+                <a:pos x="connsiteX29" y="connsiteY29"/>
+              </a:cxn>
+              <a:cxn ang="0">
+                <a:pos x="connsiteX30" y="connsiteY30"/>
+              </a:cxn>
+              <a:cxn ang="0">
+                <a:pos x="connsiteX31" y="connsiteY31"/>
+              </a:cxn>
+              <a:cxn ang="0">
+                <a:pos x="connsiteX32" y="connsiteY32"/>
+              </a:cxn>
+              <a:cxn ang="0">
+                <a:pos x="connsiteX33" y="connsiteY33"/>
+              </a:cxn>
+              <a:cxn ang="0">
+                <a:pos x="connsiteX34" y="connsiteY34"/>
+              </a:cxn>
+              <a:cxn ang="0">
+                <a:pos x="connsiteX35" y="connsiteY35"/>
+              </a:cxn>
+            </a:cxnLst>
+            <a:rect l="l" t="t" r="r" b="b"/>
+            <a:pathLst>
+              <a:path w="559472" h="3709642">
+                <a:moveTo>
+                  <a:pt x="0" y="0"/>
+                </a:moveTo>
+                <a:lnTo>
+                  <a:pt x="473952" y="0"/>
+                </a:lnTo>
+                <a:lnTo>
+                  <a:pt x="485840" y="161194"/>
+                </a:lnTo>
+                <a:cubicBezTo>
+                  <a:pt x="552063" y="1147770"/>
+                  <a:pt x="592441" y="3086737"/>
+                  <a:pt x="523949" y="3672197"/>
+                </a:cubicBezTo>
+                <a:cubicBezTo>
+                  <a:pt x="500842" y="3684557"/>
+                  <a:pt x="477855" y="3697282"/>
+                  <a:pt x="454748" y="3709642"/>
+                </a:cubicBezTo>
+                <a:lnTo>
+                  <a:pt x="448224" y="3510471"/>
+                </a:lnTo>
+                <a:lnTo>
+                  <a:pt x="443564" y="3408563"/>
+                </a:lnTo>
+                <a:lnTo>
+                  <a:pt x="438902" y="3304407"/>
+                </a:lnTo>
+                <a:lnTo>
+                  <a:pt x="433941" y="3198777"/>
+                </a:lnTo>
+                <a:lnTo>
+                  <a:pt x="427584" y="3092510"/>
+                </a:lnTo>
+                <a:lnTo>
+                  <a:pt x="420988" y="2984390"/>
+                </a:lnTo>
+                <a:lnTo>
+                  <a:pt x="414330" y="2874401"/>
+                </a:lnTo>
+                <a:lnTo>
+                  <a:pt x="406840" y="2762980"/>
+                </a:lnTo>
+                <a:lnTo>
+                  <a:pt x="397745" y="2650566"/>
+                </a:lnTo>
+                <a:lnTo>
+                  <a:pt x="389154" y="2536612"/>
+                </a:lnTo>
+                <a:lnTo>
+                  <a:pt x="379225" y="2421642"/>
+                </a:lnTo>
+                <a:lnTo>
+                  <a:pt x="368316" y="2305627"/>
+                </a:lnTo>
+                <a:lnTo>
+                  <a:pt x="357466" y="2189233"/>
+                </a:lnTo>
+                <a:lnTo>
+                  <a:pt x="344982" y="2071473"/>
+                </a:lnTo>
+                <a:lnTo>
+                  <a:pt x="332466" y="1952216"/>
+                </a:lnTo>
+                <a:lnTo>
+                  <a:pt x="319121" y="1833776"/>
+                </a:lnTo>
+                <a:lnTo>
+                  <a:pt x="304408" y="1713948"/>
+                </a:lnTo>
+                <a:lnTo>
+                  <a:pt x="288685" y="1592703"/>
+                </a:lnTo>
+                <a:lnTo>
+                  <a:pt x="273050" y="1471451"/>
+                </a:lnTo>
+                <a:lnTo>
+                  <a:pt x="255813" y="1350328"/>
+                </a:lnTo>
+                <a:lnTo>
+                  <a:pt x="237060" y="1227080"/>
+                </a:lnTo>
+                <a:lnTo>
+                  <a:pt x="218488" y="1106065"/>
+                </a:lnTo>
+                <a:lnTo>
+                  <a:pt x="198221" y="982940"/>
+                </a:lnTo>
+                <a:lnTo>
+                  <a:pt x="177152" y="858755"/>
+                </a:lnTo>
+                <a:lnTo>
+                  <a:pt x="155551" y="736861"/>
+                </a:lnTo>
+                <a:lnTo>
+                  <a:pt x="131782" y="613645"/>
+                </a:lnTo>
+                <a:lnTo>
+                  <a:pt x="107123" y="490500"/>
+                </a:lnTo>
+                <a:lnTo>
+                  <a:pt x="82552" y="367348"/>
+                </a:lnTo>
+                <a:lnTo>
+                  <a:pt x="55608" y="244762"/>
+                </a:lnTo>
+                <a:lnTo>
+                  <a:pt x="28130" y="122220"/>
+                </a:lnTo>
+                <a:lnTo>
+                  <a:pt x="0" y="0"/>
+                </a:lnTo>
+                <a:close/>
+              </a:path>
+            </a:pathLst>
+          </a:custGeom>
+          <a:solidFill>
+            <a:schemeClr val="bg1">
+              <a:alpha val="20000"/>
+            </a:schemeClr>
+          </a:solidFill>
+          <a:ln>
+            <a:noFill/>
+          </a:ln>
+        </p:spPr>
+        <p:txBody>
+          <a:bodyPr rtlCol="0" anchor="ctr"/>
+          <a:lstStyle/>
+          <a:p>
+            <a:pPr algn="ctr"/>
+            <a:endParaRPr lang="en-US"/>
+          </a:p>
+        </p:txBody>
+      </p:sp>
+      <p:sp useBgFill="1">
+        <p:nvSpPr>
+          <p:cNvPr id="82" name="Freeform: Shape 81">
+            <a:extLst>
+              <a:ext uri="{FF2B5EF4-FFF2-40B4-BE49-F238E27FC236}">
+                <a16:creationId xmlns:a16="http://schemas.microsoft.com/office/drawing/2014/main" id="{D8B22DE2-C518-4F77-BE90-E1B6B1909D91}"/>
+              </a:ext>
+              <a:ext uri="{C183D7F6-B498-43B3-948B-1728B52AA6E4}">
+                <adec:decorative xmlns:adec="http://schemas.microsoft.com/office/drawing/2017/decorative" val="1"/>
+              </a:ext>
+            </a:extLst>
+          </p:cNvPr>
+          <p:cNvSpPr>
+            <a:spLocks noGrp="1" noRot="1" noChangeAspect="1" noMove="1" noResize="1" noEditPoints="1" noAdjustHandles="1" noChangeArrowheads="1" noChangeShapeType="1" noTextEdit="1"/>
+          </p:cNvSpPr>
+          <p:nvPr>
+            <p:extLst>
+              <p:ext uri="{386F3935-93C4-4BCD-93E2-E3B085C9AB24}">
+                <p16:designElem xmlns:p16="http://schemas.microsoft.com/office/powerpoint/2015/main" val="1"/>
+              </p:ext>
+            </p:extLst>
+          </p:nvPr>
+        </p:nvSpPr>
+        <p:spPr bwMode="gray">
+          <a:xfrm rot="5400000" flipH="1">
+            <a:off x="68960" y="-68960"/>
+            <a:ext cx="6858001" cy="6995918"/>
+          </a:xfrm>
+          <a:custGeom>
+            <a:avLst/>
+            <a:gdLst>
+              <a:gd name="connsiteX0" fmla="*/ 6858001 w 6858001"/>
+              <a:gd name="connsiteY0" fmla="*/ 1344715 h 6995918"/>
+              <a:gd name="connsiteX1" fmla="*/ 6858001 w 6858001"/>
+              <a:gd name="connsiteY1" fmla="*/ 1177 h 6995918"/>
+              <a:gd name="connsiteX2" fmla="*/ 6702324 w 6858001"/>
+              <a:gd name="connsiteY2" fmla="*/ 26222 h 6995918"/>
+              <a:gd name="connsiteX3" fmla="*/ 6547333 w 6858001"/>
+              <a:gd name="connsiteY3" fmla="*/ 50091 h 6995918"/>
+              <a:gd name="connsiteX4" fmla="*/ 6391657 w 6858001"/>
+              <a:gd name="connsiteY4" fmla="*/ 73455 h 6995918"/>
+              <a:gd name="connsiteX5" fmla="*/ 6235294 w 6858001"/>
+              <a:gd name="connsiteY5" fmla="*/ 93458 h 6995918"/>
+              <a:gd name="connsiteX6" fmla="*/ 6079618 w 6858001"/>
+              <a:gd name="connsiteY6" fmla="*/ 113629 h 6995918"/>
+              <a:gd name="connsiteX7" fmla="*/ 5923255 w 6858001"/>
+              <a:gd name="connsiteY7" fmla="*/ 132455 h 6995918"/>
+              <a:gd name="connsiteX8" fmla="*/ 5768950 w 6858001"/>
+              <a:gd name="connsiteY8" fmla="*/ 148591 h 6995918"/>
+              <a:gd name="connsiteX9" fmla="*/ 5612588 w 6858001"/>
+              <a:gd name="connsiteY9" fmla="*/ 163887 h 6995918"/>
+              <a:gd name="connsiteX10" fmla="*/ 5456911 w 6858001"/>
+              <a:gd name="connsiteY10" fmla="*/ 177839 h 6995918"/>
+              <a:gd name="connsiteX11" fmla="*/ 5303978 w 6858001"/>
+              <a:gd name="connsiteY11" fmla="*/ 189941 h 6995918"/>
+              <a:gd name="connsiteX12" fmla="*/ 5148987 w 6858001"/>
+              <a:gd name="connsiteY12" fmla="*/ 202044 h 6995918"/>
+              <a:gd name="connsiteX13" fmla="*/ 4996054 w 6858001"/>
+              <a:gd name="connsiteY13" fmla="*/ 212129 h 6995918"/>
+              <a:gd name="connsiteX14" fmla="*/ 4843120 w 6858001"/>
+              <a:gd name="connsiteY14" fmla="*/ 220029 h 6995918"/>
+              <a:gd name="connsiteX15" fmla="*/ 4690873 w 6858001"/>
+              <a:gd name="connsiteY15" fmla="*/ 228266 h 6995918"/>
+              <a:gd name="connsiteX16" fmla="*/ 4539997 w 6858001"/>
+              <a:gd name="connsiteY16" fmla="*/ 235157 h 6995918"/>
+              <a:gd name="connsiteX17" fmla="*/ 4390492 w 6858001"/>
+              <a:gd name="connsiteY17" fmla="*/ 240032 h 6995918"/>
+              <a:gd name="connsiteX18" fmla="*/ 4240988 w 6858001"/>
+              <a:gd name="connsiteY18" fmla="*/ 244234 h 6995918"/>
+              <a:gd name="connsiteX19" fmla="*/ 4092855 w 6858001"/>
+              <a:gd name="connsiteY19" fmla="*/ 248268 h 6995918"/>
+              <a:gd name="connsiteX20" fmla="*/ 3946780 w 6858001"/>
+              <a:gd name="connsiteY20" fmla="*/ 250117 h 6995918"/>
+              <a:gd name="connsiteX21" fmla="*/ 3800704 w 6858001"/>
+              <a:gd name="connsiteY21" fmla="*/ 252134 h 6995918"/>
+              <a:gd name="connsiteX22" fmla="*/ 3656686 w 6858001"/>
+              <a:gd name="connsiteY22" fmla="*/ 253143 h 6995918"/>
+              <a:gd name="connsiteX23" fmla="*/ 3514040 w 6858001"/>
+              <a:gd name="connsiteY23" fmla="*/ 252134 h 6995918"/>
+              <a:gd name="connsiteX24" fmla="*/ 3372765 w 6858001"/>
+              <a:gd name="connsiteY24" fmla="*/ 252134 h 6995918"/>
+              <a:gd name="connsiteX25" fmla="*/ 3232862 w 6858001"/>
+              <a:gd name="connsiteY25" fmla="*/ 250117 h 6995918"/>
+              <a:gd name="connsiteX26" fmla="*/ 3095702 w 6858001"/>
+              <a:gd name="connsiteY26" fmla="*/ 247092 h 6995918"/>
+              <a:gd name="connsiteX27" fmla="*/ 2959914 w 6858001"/>
+              <a:gd name="connsiteY27" fmla="*/ 244234 h 6995918"/>
+              <a:gd name="connsiteX28" fmla="*/ 2826868 w 6858001"/>
+              <a:gd name="connsiteY28" fmla="*/ 241040 h 6995918"/>
+              <a:gd name="connsiteX29" fmla="*/ 2694509 w 6858001"/>
+              <a:gd name="connsiteY29" fmla="*/ 236166 h 6995918"/>
+              <a:gd name="connsiteX30" fmla="*/ 2564208 w 6858001"/>
+              <a:gd name="connsiteY30" fmla="*/ 230955 h 6995918"/>
+              <a:gd name="connsiteX31" fmla="*/ 2436649 w 6858001"/>
+              <a:gd name="connsiteY31" fmla="*/ 226249 h 6995918"/>
+              <a:gd name="connsiteX32" fmla="*/ 2187703 w 6858001"/>
+              <a:gd name="connsiteY32" fmla="*/ 212969 h 6995918"/>
+              <a:gd name="connsiteX33" fmla="*/ 1949045 w 6858001"/>
+              <a:gd name="connsiteY33" fmla="*/ 198850 h 6995918"/>
+              <a:gd name="connsiteX34" fmla="*/ 1719988 w 6858001"/>
+              <a:gd name="connsiteY34" fmla="*/ 184058 h 6995918"/>
+              <a:gd name="connsiteX35" fmla="*/ 1503275 w 6858001"/>
+              <a:gd name="connsiteY35" fmla="*/ 167753 h 6995918"/>
+              <a:gd name="connsiteX36" fmla="*/ 1296163 w 6858001"/>
+              <a:gd name="connsiteY36" fmla="*/ 150776 h 6995918"/>
+              <a:gd name="connsiteX37" fmla="*/ 1104139 w 6858001"/>
+              <a:gd name="connsiteY37" fmla="*/ 132455 h 6995918"/>
+              <a:gd name="connsiteX38" fmla="*/ 923774 w 6858001"/>
+              <a:gd name="connsiteY38" fmla="*/ 114469 h 6995918"/>
+              <a:gd name="connsiteX39" fmla="*/ 757810 w 6858001"/>
+              <a:gd name="connsiteY39" fmla="*/ 96484 h 6995918"/>
+              <a:gd name="connsiteX40" fmla="*/ 605563 w 6858001"/>
+              <a:gd name="connsiteY40" fmla="*/ 79507 h 6995918"/>
+              <a:gd name="connsiteX41" fmla="*/ 470460 w 6858001"/>
+              <a:gd name="connsiteY41" fmla="*/ 63370 h 6995918"/>
+              <a:gd name="connsiteX42" fmla="*/ 348388 w 6858001"/>
+              <a:gd name="connsiteY42" fmla="*/ 48074 h 6995918"/>
+              <a:gd name="connsiteX43" fmla="*/ 245518 w 6858001"/>
+              <a:gd name="connsiteY43" fmla="*/ 35299 h 6995918"/>
+              <a:gd name="connsiteX44" fmla="*/ 159107 w 6858001"/>
+              <a:gd name="connsiteY44" fmla="*/ 23197 h 6995918"/>
+              <a:gd name="connsiteX45" fmla="*/ 40463 w 6858001"/>
+              <a:gd name="connsiteY45" fmla="*/ 5883 h 6995918"/>
+              <a:gd name="connsiteX46" fmla="*/ 1 w 6858001"/>
+              <a:gd name="connsiteY46" fmla="*/ 0 h 6995918"/>
+              <a:gd name="connsiteX47" fmla="*/ 1 w 6858001"/>
+              <a:gd name="connsiteY47" fmla="*/ 905354 h 6995918"/>
+              <a:gd name="connsiteX48" fmla="*/ 0 w 6858001"/>
+              <a:gd name="connsiteY48" fmla="*/ 905354 h 6995918"/>
+              <a:gd name="connsiteX49" fmla="*/ 0 w 6858001"/>
+              <a:gd name="connsiteY49" fmla="*/ 6995918 h 6995918"/>
+              <a:gd name="connsiteX50" fmla="*/ 6858000 w 6858001"/>
+              <a:gd name="connsiteY50" fmla="*/ 6995918 h 6995918"/>
+              <a:gd name="connsiteX51" fmla="*/ 6858000 w 6858001"/>
+              <a:gd name="connsiteY51" fmla="*/ 1344715 h 6995918"/>
+            </a:gdLst>
+            <a:ahLst/>
+            <a:cxnLst>
+              <a:cxn ang="0">
+                <a:pos x="connsiteX0" y="connsiteY0"/>
+              </a:cxn>
+              <a:cxn ang="0">
+                <a:pos x="connsiteX1" y="connsiteY1"/>
+              </a:cxn>
+              <a:cxn ang="0">
+                <a:pos x="connsiteX2" y="connsiteY2"/>
+              </a:cxn>
+              <a:cxn ang="0">
+                <a:pos x="connsiteX3" y="connsiteY3"/>
+              </a:cxn>
+              <a:cxn ang="0">
+                <a:pos x="connsiteX4" y="connsiteY4"/>
+              </a:cxn>
+              <a:cxn ang="0">
+                <a:pos x="connsiteX5" y="connsiteY5"/>
+              </a:cxn>
+              <a:cxn ang="0">
+                <a:pos x="connsiteX6" y="connsiteY6"/>
+              </a:cxn>
+              <a:cxn ang="0">
+                <a:pos x="connsiteX7" y="connsiteY7"/>
+              </a:cxn>
+              <a:cxn ang="0">
+                <a:pos x="connsiteX8" y="connsiteY8"/>
+              </a:cxn>
+              <a:cxn ang="0">
+                <a:pos x="connsiteX9" y="connsiteY9"/>
+              </a:cxn>
+              <a:cxn ang="0">
+                <a:pos x="connsiteX10" y="connsiteY10"/>
+              </a:cxn>
+              <a:cxn ang="0">
+                <a:pos x="connsiteX11" y="connsiteY11"/>
+              </a:cxn>
+              <a:cxn ang="0">
+                <a:pos x="connsiteX12" y="connsiteY12"/>
+              </a:cxn>
+              <a:cxn ang="0">
+                <a:pos x="connsiteX13" y="connsiteY13"/>
+              </a:cxn>
+              <a:cxn ang="0">
+                <a:pos x="connsiteX14" y="connsiteY14"/>
+              </a:cxn>
+              <a:cxn ang="0">
+                <a:pos x="connsiteX15" y="connsiteY15"/>
+              </a:cxn>
+              <a:cxn ang="0">
+                <a:pos x="connsiteX16" y="connsiteY16"/>
+              </a:cxn>
+              <a:cxn ang="0">
+                <a:pos x="connsiteX17" y="connsiteY17"/>
+              </a:cxn>
+              <a:cxn ang="0">
+                <a:pos x="connsiteX18" y="connsiteY18"/>
+              </a:cxn>
+              <a:cxn ang="0">
+                <a:pos x="connsiteX19" y="connsiteY19"/>
+              </a:cxn>
+              <a:cxn ang="0">
+                <a:pos x="connsiteX20" y="connsiteY20"/>
+              </a:cxn>
+              <a:cxn ang="0">
+                <a:pos x="connsiteX21" y="connsiteY21"/>
+              </a:cxn>
+              <a:cxn ang="0">
+                <a:pos x="connsiteX22" y="connsiteY22"/>
+              </a:cxn>
+              <a:cxn ang="0">
+                <a:pos x="connsiteX23" y="connsiteY23"/>
+              </a:cxn>
+              <a:cxn ang="0">
+                <a:pos x="connsiteX24" y="connsiteY24"/>
+              </a:cxn>
+              <a:cxn ang="0">
+                <a:pos x="connsiteX25" y="connsiteY25"/>
+              </a:cxn>
+              <a:cxn ang="0">
+                <a:pos x="connsiteX26" y="connsiteY26"/>
+              </a:cxn>
+              <a:cxn ang="0">
+                <a:pos x="connsiteX27" y="connsiteY27"/>
+              </a:cxn>
+              <a:cxn ang="0">
+                <a:pos x="connsiteX28" y="connsiteY28"/>
+              </a:cxn>
+              <a:cxn ang="0">
+                <a:pos x="connsiteX29" y="connsiteY29"/>
+              </a:cxn>
+              <a:cxn ang="0">
+                <a:pos x="connsiteX30" y="connsiteY30"/>
+              </a:cxn>
+              <a:cxn ang="0">
+                <a:pos x="connsiteX31" y="connsiteY31"/>
+              </a:cxn>
+              <a:cxn ang="0">
+                <a:pos x="connsiteX32" y="connsiteY32"/>
+              </a:cxn>
+              <a:cxn ang="0">
+                <a:pos x="connsiteX33" y="connsiteY33"/>
+              </a:cxn>
+              <a:cxn ang="0">
+                <a:pos x="connsiteX34" y="connsiteY34"/>
+              </a:cxn>
+              <a:cxn ang="0">
+                <a:pos x="connsiteX35" y="connsiteY35"/>
+              </a:cxn>
+              <a:cxn ang="0">
+                <a:pos x="connsiteX36" y="connsiteY36"/>
+              </a:cxn>
+              <a:cxn ang="0">
+                <a:pos x="connsiteX37" y="connsiteY37"/>
+              </a:cxn>
+              <a:cxn ang="0">
+                <a:pos x="connsiteX38" y="connsiteY38"/>
+              </a:cxn>
+              <a:cxn ang="0">
+                <a:pos x="connsiteX39" y="connsiteY39"/>
+              </a:cxn>
+              <a:cxn ang="0">
+                <a:pos x="connsiteX40" y="connsiteY40"/>
+              </a:cxn>
+              <a:cxn ang="0">
+                <a:pos x="connsiteX41" y="connsiteY41"/>
+              </a:cxn>
+              <a:cxn ang="0">
+                <a:pos x="connsiteX42" y="connsiteY42"/>
+              </a:cxn>
+              <a:cxn ang="0">
+                <a:pos x="connsiteX43" y="connsiteY43"/>
+              </a:cxn>
+              <a:cxn ang="0">
+                <a:pos x="connsiteX44" y="connsiteY44"/>
+              </a:cxn>
+              <a:cxn ang="0">
+                <a:pos x="connsiteX45" y="connsiteY45"/>
+              </a:cxn>
+              <a:cxn ang="0">
+                <a:pos x="connsiteX46" y="connsiteY46"/>
+              </a:cxn>
+              <a:cxn ang="0">
+                <a:pos x="connsiteX47" y="connsiteY47"/>
+              </a:cxn>
+              <a:cxn ang="0">
+                <a:pos x="connsiteX48" y="connsiteY48"/>
+              </a:cxn>
+              <a:cxn ang="0">
+                <a:pos x="connsiteX49" y="connsiteY49"/>
+              </a:cxn>
+              <a:cxn ang="0">
+                <a:pos x="connsiteX50" y="connsiteY50"/>
+              </a:cxn>
+              <a:cxn ang="0">
+                <a:pos x="connsiteX51" y="connsiteY51"/>
+              </a:cxn>
+            </a:cxnLst>
+            <a:rect l="l" t="t" r="r" b="b"/>
+            <a:pathLst>
+              <a:path w="6858001" h="6995918">
+                <a:moveTo>
+                  <a:pt x="6858001" y="1344715"/>
+                </a:moveTo>
+                <a:lnTo>
+                  <a:pt x="6858001" y="1177"/>
+                </a:lnTo>
+                <a:lnTo>
+                  <a:pt x="6702324" y="26222"/>
+                </a:lnTo>
+                <a:lnTo>
+                  <a:pt x="6547333" y="50091"/>
+                </a:lnTo>
+                <a:lnTo>
+                  <a:pt x="6391657" y="73455"/>
+                </a:lnTo>
+                <a:lnTo>
+                  <a:pt x="6235294" y="93458"/>
+                </a:lnTo>
+                <a:lnTo>
+                  <a:pt x="6079618" y="113629"/>
+                </a:lnTo>
+                <a:lnTo>
+                  <a:pt x="5923255" y="132455"/>
+                </a:lnTo>
+                <a:lnTo>
+                  <a:pt x="5768950" y="148591"/>
+                </a:lnTo>
+                <a:lnTo>
+                  <a:pt x="5612588" y="163887"/>
+                </a:lnTo>
+                <a:lnTo>
+                  <a:pt x="5456911" y="177839"/>
+                </a:lnTo>
+                <a:lnTo>
+                  <a:pt x="5303978" y="189941"/>
+                </a:lnTo>
+                <a:lnTo>
+                  <a:pt x="5148987" y="202044"/>
+                </a:lnTo>
+                <a:lnTo>
+                  <a:pt x="4996054" y="212129"/>
+                </a:lnTo>
+                <a:lnTo>
+                  <a:pt x="4843120" y="220029"/>
+                </a:lnTo>
+                <a:lnTo>
+                  <a:pt x="4690873" y="228266"/>
+                </a:lnTo>
+                <a:lnTo>
+                  <a:pt x="4539997" y="235157"/>
+                </a:lnTo>
+                <a:lnTo>
+                  <a:pt x="4390492" y="240032"/>
+                </a:lnTo>
+                <a:lnTo>
+                  <a:pt x="4240988" y="244234"/>
+                </a:lnTo>
+                <a:lnTo>
+                  <a:pt x="4092855" y="248268"/>
+                </a:lnTo>
+                <a:lnTo>
+                  <a:pt x="3946780" y="250117"/>
+                </a:lnTo>
+                <a:lnTo>
+                  <a:pt x="3800704" y="252134"/>
+                </a:lnTo>
+                <a:lnTo>
+                  <a:pt x="3656686" y="253143"/>
+                </a:lnTo>
+                <a:lnTo>
+                  <a:pt x="3514040" y="252134"/>
+                </a:lnTo>
+                <a:lnTo>
+                  <a:pt x="3372765" y="252134"/>
+                </a:lnTo>
+                <a:lnTo>
+                  <a:pt x="3232862" y="250117"/>
+                </a:lnTo>
+                <a:lnTo>
+                  <a:pt x="3095702" y="247092"/>
+                </a:lnTo>
+                <a:lnTo>
+                  <a:pt x="2959914" y="244234"/>
+                </a:lnTo>
+                <a:lnTo>
+                  <a:pt x="2826868" y="241040"/>
+                </a:lnTo>
+                <a:lnTo>
+                  <a:pt x="2694509" y="236166"/>
+                </a:lnTo>
+                <a:lnTo>
+                  <a:pt x="2564208" y="230955"/>
+                </a:lnTo>
+                <a:lnTo>
+                  <a:pt x="2436649" y="226249"/>
+                </a:lnTo>
+                <a:lnTo>
+                  <a:pt x="2187703" y="212969"/>
+                </a:lnTo>
+                <a:lnTo>
+                  <a:pt x="1949045" y="198850"/>
+                </a:lnTo>
+                <a:lnTo>
+                  <a:pt x="1719988" y="184058"/>
+                </a:lnTo>
+                <a:lnTo>
+                  <a:pt x="1503275" y="167753"/>
+                </a:lnTo>
+                <a:lnTo>
+                  <a:pt x="1296163" y="150776"/>
+                </a:lnTo>
+                <a:lnTo>
+                  <a:pt x="1104139" y="132455"/>
+                </a:lnTo>
+                <a:lnTo>
+                  <a:pt x="923774" y="114469"/>
+                </a:lnTo>
+                <a:lnTo>
+                  <a:pt x="757810" y="96484"/>
+                </a:lnTo>
+                <a:lnTo>
+                  <a:pt x="605563" y="79507"/>
+                </a:lnTo>
+                <a:lnTo>
+                  <a:pt x="470460" y="63370"/>
+                </a:lnTo>
+                <a:lnTo>
+                  <a:pt x="348388" y="48074"/>
+                </a:lnTo>
+                <a:lnTo>
+                  <a:pt x="245518" y="35299"/>
+                </a:lnTo>
+                <a:lnTo>
+                  <a:pt x="159107" y="23197"/>
+                </a:lnTo>
+                <a:lnTo>
+                  <a:pt x="40463" y="5883"/>
+                </a:lnTo>
+                <a:lnTo>
+                  <a:pt x="1" y="0"/>
+                </a:lnTo>
+                <a:lnTo>
+                  <a:pt x="1" y="905354"/>
+                </a:lnTo>
+                <a:lnTo>
+                  <a:pt x="0" y="905354"/>
+                </a:lnTo>
+                <a:lnTo>
+                  <a:pt x="0" y="6995918"/>
+                </a:lnTo>
+                <a:lnTo>
+                  <a:pt x="6858000" y="6995918"/>
+                </a:lnTo>
+                <a:lnTo>
+                  <a:pt x="6858000" y="1344715"/>
+                </a:lnTo>
+                <a:close/>
+              </a:path>
+            </a:pathLst>
+          </a:custGeom>
+          <a:ln>
+            <a:noFill/>
+          </a:ln>
+        </p:spPr>
+      </p:sp>
+      <p:sp>
+        <p:nvSpPr>
+          <p:cNvPr id="84" name="Rectangle 83">
+            <a:extLst>
+              <a:ext uri="{FF2B5EF4-FFF2-40B4-BE49-F238E27FC236}">
+                <a16:creationId xmlns:a16="http://schemas.microsoft.com/office/drawing/2014/main" id="{630182B0-3559-41D5-9EBC-0BD86BEDAD09}"/>
+              </a:ext>
+              <a:ext uri="{C183D7F6-B498-43B3-948B-1728B52AA6E4}">
+                <adec:decorative xmlns:adec="http://schemas.microsoft.com/office/drawing/2017/decorative" val="1"/>
+              </a:ext>
+            </a:extLst>
+          </p:cNvPr>
+          <p:cNvSpPr>
+            <a:spLocks noGrp="1" noRot="1" noChangeAspect="1" noMove="1" noResize="1" noEditPoints="1" noAdjustHandles="1" noChangeArrowheads="1" noChangeShapeType="1" noTextEdit="1"/>
+          </p:cNvSpPr>
+          <p:nvPr>
+            <p:extLst>
+              <p:ext uri="{386F3935-93C4-4BCD-93E2-E3B085C9AB24}">
+                <p16:designElem xmlns:p16="http://schemas.microsoft.com/office/powerpoint/2015/main" val="1"/>
+              </p:ext>
+            </p:extLst>
+          </p:nvPr>
+        </p:nvSpPr>
+        <p:spPr>
+          <a:xfrm>
+            <a:off x="10437812" y="0"/>
+            <a:ext cx="685800" cy="1143000"/>
+          </a:xfrm>
+          <a:prstGeom prst="rect">
+            <a:avLst/>
+          </a:prstGeom>
+          <a:solidFill>
+            <a:schemeClr val="accent1"/>
+          </a:solidFill>
+          <a:ln>
+            <a:noFill/>
+          </a:ln>
+        </p:spPr>
+        <p:style>
+          <a:lnRef idx="1">
+            <a:schemeClr val="accent1"/>
+          </a:lnRef>
+          <a:fillRef idx="3">
+            <a:schemeClr val="accent1"/>
+          </a:fillRef>
+          <a:effectRef idx="2">
+            <a:schemeClr val="accent1"/>
+          </a:effectRef>
+          <a:fontRef idx="minor">
+            <a:schemeClr val="lt1"/>
+          </a:fontRef>
+        </p:style>
+      </p:sp>
+      <p:pic>
+        <p:nvPicPr>
+          <p:cNvPr id="5" name="Picture 4">
+            <a:extLst>
+              <a:ext uri="{FF2B5EF4-FFF2-40B4-BE49-F238E27FC236}">
+                <a16:creationId xmlns:a16="http://schemas.microsoft.com/office/drawing/2014/main" id="{95F21792-BE74-2E45-912E-DDC6E0B1A929}"/>
+              </a:ext>
+            </a:extLst>
+          </p:cNvPr>
+          <p:cNvPicPr>
+            <a:picLocks noChangeAspect="1"/>
+          </p:cNvPicPr>
+          <p:nvPr/>
+        </p:nvPicPr>
+        <p:blipFill>
+          <a:blip r:embed="rId6"/>
+          <a:stretch>
+            <a:fillRect/>
+          </a:stretch>
+        </p:blipFill>
+        <p:spPr>
+          <a:xfrm>
+            <a:off x="685401" y="647698"/>
+            <a:ext cx="5367463" cy="5562139"/>
+          </a:xfrm>
+          <a:prstGeom prst="rect">
+            <a:avLst/>
+          </a:prstGeom>
+          <a:effectLst/>
+        </p:spPr>
+      </p:pic>
+    </p:spTree>
+    <p:extLst>
+      <p:ext uri="{BB962C8B-B14F-4D97-AF65-F5344CB8AC3E}">
+        <p14:creationId xmlns:p14="http://schemas.microsoft.com/office/powerpoint/2010/main" val="2753012692"/>
+      </p:ext>
+    </p:extLst>
+  </p:cSld>
+  <p:clrMapOvr>
+    <a:overrideClrMapping bg1="lt1" tx1="dk1" bg2="lt2" tx2="dk2" accent1="accent1" accent2="accent2" accent3="accent3" accent4="accent4" accent5="accent5" accent6="accent6" hlink="hlink" folHlink="folHlink"/>
   </p:clrMapOvr>
 </p:sld>
 </file>

--- a/Flatiron_Mod_1_Slides.pptx
+++ b/Flatiron_Mod_1_Slides.pptx
@@ -15,6 +15,7 @@
     <p:sldId id="266" r:id="rId9"/>
     <p:sldId id="264" r:id="rId10"/>
     <p:sldId id="265" r:id="rId11"/>
+    <p:sldId id="267" r:id="rId12"/>
   </p:sldIdLst>
   <p:sldSz cx="12192000" cy="6858000"/>
   <p:notesSz cx="6858000" cy="9144000"/>
@@ -6336,6 +6337,119 @@
 </p:sld>
 </file>
 
+<file path=ppt/slides/slide11.xml><?xml version="1.0" encoding="utf-8"?>
+<p:sld xmlns:a="http://schemas.openxmlformats.org/drawingml/2006/main" xmlns:r="http://schemas.openxmlformats.org/officeDocument/2006/relationships" xmlns:p="http://schemas.openxmlformats.org/presentationml/2006/main">
+  <p:cSld>
+    <p:spTree>
+      <p:nvGrpSpPr>
+        <p:cNvPr id="1" name=""/>
+        <p:cNvGrpSpPr/>
+        <p:nvPr/>
+      </p:nvGrpSpPr>
+      <p:grpSpPr>
+        <a:xfrm>
+          <a:off x="0" y="0"/>
+          <a:ext cx="0" cy="0"/>
+          <a:chOff x="0" y="0"/>
+          <a:chExt cx="0" cy="0"/>
+        </a:xfrm>
+      </p:grpSpPr>
+      <p:sp>
+        <p:nvSpPr>
+          <p:cNvPr id="2" name="Title 1">
+            <a:extLst>
+              <a:ext uri="{FF2B5EF4-FFF2-40B4-BE49-F238E27FC236}">
+                <a16:creationId xmlns:a16="http://schemas.microsoft.com/office/drawing/2014/main" id="{AEE89849-8F3E-9E4A-8570-AF54F7A18A81}"/>
+              </a:ext>
+            </a:extLst>
+          </p:cNvPr>
+          <p:cNvSpPr>
+            <a:spLocks noGrp="1"/>
+          </p:cNvSpPr>
+          <p:nvPr>
+            <p:ph type="title"/>
+          </p:nvPr>
+        </p:nvSpPr>
+        <p:spPr/>
+        <p:txBody>
+          <a:bodyPr/>
+          <a:lstStyle/>
+          <a:p>
+            <a:r>
+              <a:rPr lang="en-US" sz="2800" dirty="0"/>
+              <a:t>Step 8: interpretation, follows ups and correction of model</a:t>
+            </a:r>
+            <a:br>
+              <a:rPr lang="en-US" sz="2800" dirty="0"/>
+            </a:br>
+            <a:endParaRPr lang="en-US" sz="2800" dirty="0"/>
+          </a:p>
+        </p:txBody>
+      </p:sp>
+      <p:sp>
+        <p:nvSpPr>
+          <p:cNvPr id="3" name="Content Placeholder 2">
+            <a:extLst>
+              <a:ext uri="{FF2B5EF4-FFF2-40B4-BE49-F238E27FC236}">
+                <a16:creationId xmlns:a16="http://schemas.microsoft.com/office/drawing/2014/main" id="{6B41DAFE-15EC-1E49-A8CC-A3BCA24ED66F}"/>
+              </a:ext>
+            </a:extLst>
+          </p:cNvPr>
+          <p:cNvSpPr>
+            <a:spLocks noGrp="1"/>
+          </p:cNvSpPr>
+          <p:nvPr>
+            <p:ph idx="1"/>
+          </p:nvPr>
+        </p:nvSpPr>
+        <p:spPr>
+          <a:xfrm>
+            <a:off x="1103312" y="1692307"/>
+            <a:ext cx="8946541" cy="4195481"/>
+          </a:xfrm>
+        </p:spPr>
+        <p:txBody>
+          <a:bodyPr/>
+          <a:lstStyle/>
+          <a:p>
+            <a:r>
+              <a:rPr lang="en-US" dirty="0"/>
+              <a:t>The two models provide us limited conclusions to be drawn. </a:t>
+            </a:r>
+          </a:p>
+          <a:p>
+            <a:r>
+              <a:rPr lang="en-US" dirty="0"/>
+              <a:t>Price does increase with both square foot living and grading but the models don’t have the best linear fit. </a:t>
+            </a:r>
+          </a:p>
+          <a:p>
+            <a:r>
+              <a:rPr lang="en-US" dirty="0"/>
+              <a:t>R-Squared is still relatively low and we may have an issue of multicollinearity as both variables are correlated (0.7)</a:t>
+            </a:r>
+          </a:p>
+          <a:p>
+            <a:r>
+              <a:rPr lang="en-US" dirty="0"/>
+              <a:t>We notice that with outliers removed the model looses precision with R squared dropping despite the distribution of data points getting closer to normal. </a:t>
+            </a:r>
+          </a:p>
+        </p:txBody>
+      </p:sp>
+    </p:spTree>
+    <p:extLst>
+      <p:ext uri="{BB962C8B-B14F-4D97-AF65-F5344CB8AC3E}">
+        <p14:creationId xmlns:p14="http://schemas.microsoft.com/office/powerpoint/2010/main" val="2640054141"/>
+      </p:ext>
+    </p:extLst>
+  </p:cSld>
+  <p:clrMapOvr>
+    <a:masterClrMapping/>
+  </p:clrMapOvr>
+</p:sld>
+</file>
+
 <file path=ppt/slides/slide2.xml><?xml version="1.0" encoding="utf-8"?>
 <p:sld xmlns:a="http://schemas.openxmlformats.org/drawingml/2006/main" xmlns:r="http://schemas.openxmlformats.org/officeDocument/2006/relationships" xmlns:p="http://schemas.openxmlformats.org/presentationml/2006/main">
   <p:cSld>
@@ -6690,16 +6804,19 @@
           <a:p>
             <a:r>
               <a:rPr lang="en-US" dirty="0"/>
-              <a:t>Step 7: Run regression model and interpret the results </a:t>
-            </a:r>
-          </a:p>
-          <a:p>
+              <a:t>Step 7: Run regression model</a:t>
+            </a:r>
+          </a:p>
+          <a:p>
+            <a:pPr marL="0" indent="0">
+              <a:buNone/>
+            </a:pPr>
             <a:endParaRPr lang="en-US" dirty="0"/>
           </a:p>
           <a:p>
             <a:r>
               <a:rPr lang="en-US" dirty="0"/>
-              <a:t>Step 8: Follows ups and Correction of model</a:t>
+              <a:t>Step 8: interpretation, follows ups and correction of model</a:t>
             </a:r>
           </a:p>
           <a:p>

--- a/Flatiron_Mod_1_Slides.pptx
+++ b/Flatiron_Mod_1_Slides.pptx
@@ -6574,7 +6574,7 @@
             </a:pPr>
             <a:r>
               <a:rPr lang="en-GB" sz="1600" b="1" i="1" dirty="0"/>
-              <a:t>Will price increase provided we increase living surface and keep the living surface constant?</a:t>
+              <a:t>Will price increase provided we increase living surface and keep the grading constant?</a:t>
             </a:r>
           </a:p>
           <a:p>

--- a/Flatiron_Mod_1_Slides.pptx
+++ b/Flatiron_Mod_1_Slides.pptx
@@ -16,6 +16,7 @@
     <p:sldId id="264" r:id="rId10"/>
     <p:sldId id="265" r:id="rId11"/>
     <p:sldId id="267" r:id="rId12"/>
+    <p:sldId id="268" r:id="rId13"/>
   </p:sldIdLst>
   <p:sldSz cx="12192000" cy="6858000"/>
   <p:notesSz cx="6858000" cy="9144000"/>
@@ -6450,6 +6451,137 @@
 </p:sld>
 </file>
 
+<file path=ppt/slides/slide12.xml><?xml version="1.0" encoding="utf-8"?>
+<p:sld xmlns:a="http://schemas.openxmlformats.org/drawingml/2006/main" xmlns:r="http://schemas.openxmlformats.org/officeDocument/2006/relationships" xmlns:p="http://schemas.openxmlformats.org/presentationml/2006/main">
+  <p:cSld>
+    <p:spTree>
+      <p:nvGrpSpPr>
+        <p:cNvPr id="1" name=""/>
+        <p:cNvGrpSpPr/>
+        <p:nvPr/>
+      </p:nvGrpSpPr>
+      <p:grpSpPr>
+        <a:xfrm>
+          <a:off x="0" y="0"/>
+          <a:ext cx="0" cy="0"/>
+          <a:chOff x="0" y="0"/>
+          <a:chExt cx="0" cy="0"/>
+        </a:xfrm>
+      </p:grpSpPr>
+      <p:sp>
+        <p:nvSpPr>
+          <p:cNvPr id="2" name="Title 1">
+            <a:extLst>
+              <a:ext uri="{FF2B5EF4-FFF2-40B4-BE49-F238E27FC236}">
+                <a16:creationId xmlns:a16="http://schemas.microsoft.com/office/drawing/2014/main" id="{69556C86-D08B-3440-8B92-5EC8BB2ECD5D}"/>
+              </a:ext>
+            </a:extLst>
+          </p:cNvPr>
+          <p:cNvSpPr>
+            <a:spLocks noGrp="1"/>
+          </p:cNvSpPr>
+          <p:nvPr>
+            <p:ph type="title"/>
+          </p:nvPr>
+        </p:nvSpPr>
+        <p:spPr/>
+        <p:txBody>
+          <a:bodyPr/>
+          <a:lstStyle/>
+          <a:p>
+            <a:r>
+              <a:rPr lang="en-US" sz="3000" dirty="0"/>
+              <a:t>Step 9: Future work, correction and questions</a:t>
+            </a:r>
+            <a:br>
+              <a:rPr lang="en-US" sz="3000" dirty="0"/>
+            </a:br>
+            <a:endParaRPr lang="en-US" sz="3000" dirty="0"/>
+          </a:p>
+        </p:txBody>
+      </p:sp>
+      <p:sp>
+        <p:nvSpPr>
+          <p:cNvPr id="3" name="Content Placeholder 2">
+            <a:extLst>
+              <a:ext uri="{FF2B5EF4-FFF2-40B4-BE49-F238E27FC236}">
+                <a16:creationId xmlns:a16="http://schemas.microsoft.com/office/drawing/2014/main" id="{E64431E4-9B33-C14E-84F3-780676FE5846}"/>
+              </a:ext>
+            </a:extLst>
+          </p:cNvPr>
+          <p:cNvSpPr>
+            <a:spLocks noGrp="1"/>
+          </p:cNvSpPr>
+          <p:nvPr>
+            <p:ph idx="1"/>
+          </p:nvPr>
+        </p:nvSpPr>
+        <p:spPr>
+          <a:xfrm>
+            <a:off x="646111" y="1550642"/>
+            <a:ext cx="8946541" cy="4195481"/>
+          </a:xfrm>
+        </p:spPr>
+        <p:txBody>
+          <a:bodyPr/>
+          <a:lstStyle/>
+          <a:p>
+            <a:r>
+              <a:rPr lang="en-US" dirty="0"/>
+              <a:t>Review variable choices – Grade / Square foot living </a:t>
+            </a:r>
+          </a:p>
+          <a:p>
+            <a:pPr marL="0" indent="0">
+              <a:buNone/>
+            </a:pPr>
+            <a:endParaRPr lang="en-US" dirty="0"/>
+          </a:p>
+          <a:p>
+            <a:r>
+              <a:rPr lang="en-US" dirty="0"/>
+              <a:t>Apply correct treatment to categorical variable </a:t>
+            </a:r>
+          </a:p>
+          <a:p>
+            <a:endParaRPr lang="en-US" dirty="0"/>
+          </a:p>
+          <a:p>
+            <a:r>
+              <a:rPr lang="en-US" dirty="0"/>
+              <a:t>Develop more specific business questions </a:t>
+            </a:r>
+          </a:p>
+          <a:p>
+            <a:pPr marL="0" indent="0">
+              <a:buNone/>
+            </a:pPr>
+            <a:endParaRPr lang="en-US" dirty="0"/>
+          </a:p>
+          <a:p>
+            <a:pPr marL="0" indent="0">
+              <a:buNone/>
+            </a:pPr>
+            <a:r>
+              <a:rPr lang="en-US" dirty="0"/>
+              <a:t>Thank you for listening! We will do our best to answer any questions you have.</a:t>
+            </a:r>
+          </a:p>
+        </p:txBody>
+      </p:sp>
+    </p:spTree>
+    <p:extLst>
+      <p:ext uri="{BB962C8B-B14F-4D97-AF65-F5344CB8AC3E}">
+        <p14:creationId xmlns:p14="http://schemas.microsoft.com/office/powerpoint/2010/main" val="3075179156"/>
+      </p:ext>
+    </p:extLst>
+  </p:cSld>
+  <p:clrMapOvr>
+    <a:masterClrMapping/>
+  </p:clrMapOvr>
+</p:sld>
+</file>
+
 <file path=ppt/slides/slide2.xml><?xml version="1.0" encoding="utf-8"?>
 <p:sld xmlns:a="http://schemas.openxmlformats.org/drawingml/2006/main" xmlns:r="http://schemas.openxmlformats.org/officeDocument/2006/relationships" xmlns:p="http://schemas.openxmlformats.org/presentationml/2006/main">
   <p:cSld>
@@ -6744,7 +6876,7 @@
         </p:spPr>
         <p:txBody>
           <a:bodyPr>
-            <a:normAutofit fontScale="85000" lnSpcReduction="20000"/>
+            <a:normAutofit fontScale="70000" lnSpcReduction="20000"/>
           </a:bodyPr>
           <a:lstStyle/>
           <a:p>
@@ -6816,7 +6948,16 @@
           <a:p>
             <a:r>
               <a:rPr lang="en-US" dirty="0"/>
-              <a:t>Step 8: interpretation, follows ups and correction of model</a:t>
+              <a:t>Step 8: interpretation of models</a:t>
+            </a:r>
+          </a:p>
+          <a:p>
+            <a:endParaRPr lang="en-US" dirty="0"/>
+          </a:p>
+          <a:p>
+            <a:r>
+              <a:rPr lang="en-US" dirty="0"/>
+              <a:t>Step 9: follows ups, correction and questions</a:t>
             </a:r>
           </a:p>
           <a:p>

--- a/Flatiron_Mod_1_Slides.pptx
+++ b/Flatiron_Mod_1_Slides.pptx
@@ -309,7 +309,7 @@
           <a:p>
             <a:fld id="{4AAD347D-5ACD-4C99-B74B-A9C85AD731AF}" type="datetimeFigureOut">
               <a:rPr lang="en-US" dirty="0"/>
-              <a:t>1/21/20</a:t>
+              <a:t>1/22/20</a:t>
             </a:fld>
             <a:endParaRPr lang="en-US" dirty="0"/>
           </a:p>
@@ -579,7 +579,7 @@
           <a:p>
             <a:fld id="{4509A250-FF31-4206-8172-F9D3106AACB1}" type="datetimeFigureOut">
               <a:rPr lang="en-US" dirty="0"/>
-              <a:t>1/21/20</a:t>
+              <a:t>1/22/20</a:t>
             </a:fld>
             <a:endParaRPr lang="en-US" dirty="0"/>
           </a:p>
@@ -768,7 +768,7 @@
           <a:p>
             <a:fld id="{4509A250-FF31-4206-8172-F9D3106AACB1}" type="datetimeFigureOut">
               <a:rPr lang="en-US" dirty="0"/>
-              <a:t>1/21/20</a:t>
+              <a:t>1/22/20</a:t>
             </a:fld>
             <a:endParaRPr lang="en-US" dirty="0"/>
           </a:p>
@@ -1036,7 +1036,7 @@
           <a:p>
             <a:fld id="{4509A250-FF31-4206-8172-F9D3106AACB1}" type="datetimeFigureOut">
               <a:rPr lang="en-US" dirty="0"/>
-              <a:t>1/21/20</a:t>
+              <a:t>1/22/20</a:t>
             </a:fld>
             <a:endParaRPr lang="en-US" dirty="0"/>
           </a:p>
@@ -1372,7 +1372,7 @@
           <a:p>
             <a:fld id="{4509A250-FF31-4206-8172-F9D3106AACB1}" type="datetimeFigureOut">
               <a:rPr lang="en-US" dirty="0"/>
-              <a:t>1/21/20</a:t>
+              <a:t>1/22/20</a:t>
             </a:fld>
             <a:endParaRPr lang="en-US" dirty="0"/>
           </a:p>
@@ -1990,7 +1990,7 @@
           <a:p>
             <a:fld id="{4509A250-FF31-4206-8172-F9D3106AACB1}" type="datetimeFigureOut">
               <a:rPr lang="en-US" dirty="0"/>
-              <a:t>1/21/20</a:t>
+              <a:t>1/22/20</a:t>
             </a:fld>
             <a:endParaRPr lang="en-US" dirty="0"/>
           </a:p>
@@ -2845,7 +2845,7 @@
           <a:p>
             <a:fld id="{4509A250-FF31-4206-8172-F9D3106AACB1}" type="datetimeFigureOut">
               <a:rPr lang="en-US" dirty="0"/>
-              <a:t>1/21/20</a:t>
+              <a:t>1/22/20</a:t>
             </a:fld>
             <a:endParaRPr lang="en-US" dirty="0"/>
           </a:p>
@@ -3010,7 +3010,7 @@
           <a:p>
             <a:fld id="{4509A250-FF31-4206-8172-F9D3106AACB1}" type="datetimeFigureOut">
               <a:rPr lang="en-US" dirty="0"/>
-              <a:t>1/21/20</a:t>
+              <a:t>1/22/20</a:t>
             </a:fld>
             <a:endParaRPr lang="en-US" dirty="0"/>
           </a:p>
@@ -3185,7 +3185,7 @@
           <a:p>
             <a:fld id="{4509A250-FF31-4206-8172-F9D3106AACB1}" type="datetimeFigureOut">
               <a:rPr lang="en-US" dirty="0"/>
-              <a:t>1/21/20</a:t>
+              <a:t>1/22/20</a:t>
             </a:fld>
             <a:endParaRPr lang="en-US" dirty="0"/>
           </a:p>
@@ -3350,7 +3350,7 @@
           <a:p>
             <a:fld id="{4509A250-FF31-4206-8172-F9D3106AACB1}" type="datetimeFigureOut">
               <a:rPr lang="en-US" dirty="0"/>
-              <a:t>1/21/20</a:t>
+              <a:t>1/22/20</a:t>
             </a:fld>
             <a:endParaRPr lang="en-US" dirty="0"/>
           </a:p>
@@ -3592,7 +3592,7 @@
           <a:p>
             <a:fld id="{9796027F-7875-4030-9381-8BD8C4F21935}" type="datetimeFigureOut">
               <a:rPr lang="en-US" dirty="0"/>
-              <a:t>1/21/20</a:t>
+              <a:t>1/22/20</a:t>
             </a:fld>
             <a:endParaRPr lang="en-US" dirty="0"/>
           </a:p>
@@ -3879,7 +3879,7 @@
           <a:p>
             <a:fld id="{9796027F-7875-4030-9381-8BD8C4F21935}" type="datetimeFigureOut">
               <a:rPr lang="en-US" dirty="0"/>
-              <a:t>1/21/20</a:t>
+              <a:t>1/22/20</a:t>
             </a:fld>
             <a:endParaRPr lang="en-US" dirty="0"/>
           </a:p>
@@ -4318,7 +4318,7 @@
           <a:p>
             <a:fld id="{9796027F-7875-4030-9381-8BD8C4F21935}" type="datetimeFigureOut">
               <a:rPr lang="en-US" dirty="0"/>
-              <a:t>1/21/20</a:t>
+              <a:t>1/22/20</a:t>
             </a:fld>
             <a:endParaRPr lang="en-US" dirty="0"/>
           </a:p>
@@ -4431,7 +4431,7 @@
           <a:p>
             <a:fld id="{4509A250-FF31-4206-8172-F9D3106AACB1}" type="datetimeFigureOut">
               <a:rPr lang="en-US" dirty="0"/>
-              <a:t>1/21/20</a:t>
+              <a:t>1/22/20</a:t>
             </a:fld>
             <a:endParaRPr lang="en-US" dirty="0"/>
           </a:p>
@@ -4521,7 +4521,7 @@
           <a:p>
             <a:fld id="{4509A250-FF31-4206-8172-F9D3106AACB1}" type="datetimeFigureOut">
               <a:rPr lang="en-US" dirty="0"/>
-              <a:t>1/21/20</a:t>
+              <a:t>1/22/20</a:t>
             </a:fld>
             <a:endParaRPr lang="en-US" dirty="0"/>
           </a:p>
@@ -4795,7 +4795,7 @@
           <a:p>
             <a:fld id="{4509A250-FF31-4206-8172-F9D3106AACB1}" type="datetimeFigureOut">
               <a:rPr lang="en-US" dirty="0"/>
-              <a:t>1/21/20</a:t>
+              <a:t>1/22/20</a:t>
             </a:fld>
             <a:endParaRPr lang="en-US" dirty="0"/>
           </a:p>
@@ -5065,7 +5065,7 @@
           <a:p>
             <a:fld id="{4509A250-FF31-4206-8172-F9D3106AACB1}" type="datetimeFigureOut">
               <a:rPr lang="en-US" dirty="0"/>
-              <a:t>1/21/20</a:t>
+              <a:t>1/22/20</a:t>
             </a:fld>
             <a:endParaRPr lang="en-US" dirty="0"/>
           </a:p>
@@ -5489,7 +5489,7 @@
           <a:p>
             <a:fld id="{4AAD347D-5ACD-4C99-B74B-A9C85AD731AF}" type="datetimeFigureOut">
               <a:rPr lang="en-US" dirty="0"/>
-              <a:t>1/21/20</a:t>
+              <a:t>1/22/20</a:t>
             </a:fld>
             <a:endParaRPr lang="en-US" dirty="0"/>
           </a:p>
@@ -6405,12 +6405,14 @@
         </p:nvSpPr>
         <p:spPr>
           <a:xfrm>
-            <a:off x="1103312" y="1692307"/>
-            <a:ext cx="8946541" cy="4195481"/>
-          </a:xfrm>
-        </p:spPr>
-        <p:txBody>
-          <a:bodyPr/>
+            <a:off x="758927" y="1585429"/>
+            <a:ext cx="10442577" cy="4195481"/>
+          </a:xfrm>
+        </p:spPr>
+        <p:txBody>
+          <a:bodyPr>
+            <a:normAutofit/>
+          </a:bodyPr>
           <a:lstStyle/>
           <a:p>
             <a:r>
@@ -6419,21 +6421,30 @@
             </a:r>
           </a:p>
           <a:p>
+            <a:endParaRPr lang="en-US" dirty="0"/>
+          </a:p>
+          <a:p>
             <a:r>
               <a:rPr lang="en-US" dirty="0"/>
               <a:t>Price does increase with both square foot living and grading but the models don’t have the best linear fit. </a:t>
             </a:r>
           </a:p>
           <a:p>
+            <a:endParaRPr lang="en-US" dirty="0"/>
+          </a:p>
+          <a:p>
             <a:r>
               <a:rPr lang="en-US" dirty="0"/>
               <a:t>R-Squared is still relatively low and we may have an issue of multicollinearity as both variables are correlated (0.7)</a:t>
             </a:r>
           </a:p>
           <a:p>
+            <a:endParaRPr lang="en-US" dirty="0"/>
+          </a:p>
+          <a:p>
             <a:r>
               <a:rPr lang="en-US" dirty="0"/>
-              <a:t>We notice that with outliers removed the model looses precision with R squared dropping despite the distribution of data points getting closer to normal. </a:t>
+              <a:t>Outlier removal causes loss of model precision </a:t>
             </a:r>
           </a:p>
         </p:txBody>
@@ -6651,7 +6662,7 @@
         </p:spPr>
         <p:txBody>
           <a:bodyPr>
-            <a:normAutofit fontScale="92500" lnSpcReduction="10000"/>
+            <a:normAutofit/>
           </a:bodyPr>
           <a:lstStyle/>
           <a:p>
@@ -6673,7 +6684,7 @@
             </a:pPr>
             <a:r>
               <a:rPr lang="en-US" sz="1600" dirty="0"/>
-              <a:t>The problematics addressed in the analysis will aim to complement the traditional micro level evaluation for real estate financing. </a:t>
+              <a:t>Aim to complement the traditional micro level evaluation for real estate financing</a:t>
             </a:r>
           </a:p>
           <a:p>
@@ -6684,7 +6695,7 @@
             </a:pPr>
             <a:r>
               <a:rPr lang="en-US" sz="1600" dirty="0"/>
-              <a:t>We are aiming to answer the following questions using regression analysis: </a:t>
+              <a:t>Focusing on following questions using regression analysis: </a:t>
             </a:r>
           </a:p>
           <a:p>
@@ -6718,61 +6729,6 @@
             <a:r>
               <a:rPr lang="en-GB" sz="1600" b="1" i="1" dirty="0"/>
               <a:t>How do the models compare if we proceed with the removal of outlier values in our variables?</a:t>
-            </a:r>
-          </a:p>
-          <a:p>
-            <a:pPr>
-              <a:lnSpc>
-                <a:spcPct val="150000"/>
-              </a:lnSpc>
-            </a:pPr>
-            <a:r>
-              <a:rPr lang="en-US" sz="1600" dirty="0"/>
-              <a:t>We will supplement the analysis with the following: </a:t>
-            </a:r>
-          </a:p>
-          <a:p>
-            <a:pPr lvl="1">
-              <a:lnSpc>
-                <a:spcPct val="120000"/>
-              </a:lnSpc>
-            </a:pPr>
-            <a:r>
-              <a:rPr lang="en-US" sz="1400" dirty="0"/>
-              <a:t>Exploratory Data Analysis (EDA) process </a:t>
-            </a:r>
-          </a:p>
-          <a:p>
-            <a:pPr lvl="1">
-              <a:lnSpc>
-                <a:spcPct val="120000"/>
-              </a:lnSpc>
-            </a:pPr>
-            <a:r>
-              <a:rPr lang="en-US" sz="1400" dirty="0"/>
-              <a:t>Data Visualization</a:t>
-            </a:r>
-          </a:p>
-          <a:p>
-            <a:pPr lvl="1">
-              <a:lnSpc>
-                <a:spcPct val="120000"/>
-              </a:lnSpc>
-            </a:pPr>
-            <a:r>
-              <a:rPr lang="en-US" sz="1400" dirty="0"/>
-              <a:t>Model Testing</a:t>
-            </a:r>
-          </a:p>
-          <a:p>
-            <a:pPr lvl="1">
-              <a:lnSpc>
-                <a:spcPct val="120000"/>
-              </a:lnSpc>
-            </a:pPr>
-            <a:r>
-              <a:rPr lang="en-US" sz="1400" dirty="0"/>
-              <a:t>Conclusions Drawn</a:t>
             </a:r>
           </a:p>
           <a:p>
@@ -6900,7 +6856,7 @@
           <a:p>
             <a:r>
               <a:rPr lang="en-US" dirty="0"/>
-              <a:t>Step 3: Exploratory Data Analysis </a:t>
+              <a:t>Step 3: Exploratory Data Analysis / Data Observations</a:t>
             </a:r>
           </a:p>
           <a:p>
@@ -7074,7 +7030,7 @@
         </p:spPr>
         <p:txBody>
           <a:bodyPr>
-            <a:normAutofit fontScale="85000" lnSpcReduction="20000"/>
+            <a:normAutofit/>
           </a:bodyPr>
           <a:lstStyle/>
           <a:p>
@@ -7095,15 +7051,6 @@
           <a:p>
             <a:r>
               <a:rPr lang="en-US" dirty="0"/>
-              <a:t>Data frame composition includes 26 columns and nearly 25,000 rows representing properties</a:t>
-            </a:r>
-          </a:p>
-          <a:p>
-            <a:endParaRPr lang="en-US" dirty="0"/>
-          </a:p>
-          <a:p>
-            <a:r>
-              <a:rPr lang="en-US" dirty="0"/>
               <a:t>Three approaches to treat null values in </a:t>
             </a:r>
             <a:r>
@@ -7120,45 +7067,19 @@
           <a:p>
             <a:r>
               <a:rPr lang="en-US" dirty="0"/>
-              <a:t>We decided to remove the </a:t>
-            </a:r>
-            <a:r>
-              <a:rPr lang="en-US" i="1" dirty="0"/>
-              <a:t>waterfront</a:t>
-            </a:r>
+              <a:t>Column removal to simplify set </a:t>
+            </a:r>
+          </a:p>
+          <a:p>
+            <a:endParaRPr lang="en-US" dirty="0"/>
+          </a:p>
+          <a:p>
+            <a:endParaRPr lang="en-US" dirty="0"/>
+          </a:p>
+          <a:p>
             <a:r>
               <a:rPr lang="en-US" dirty="0"/>
-              <a:t> column as we tested it for correlation with price which was low , possibly impaired by null values</a:t>
-            </a:r>
-          </a:p>
-          <a:p>
-            <a:endParaRPr lang="en-US" dirty="0"/>
-          </a:p>
-          <a:p>
-            <a:r>
-              <a:rPr lang="en-US" dirty="0"/>
-              <a:t>For </a:t>
-            </a:r>
-            <a:r>
-              <a:rPr lang="en-US" i="1" dirty="0"/>
-              <a:t>view</a:t>
-            </a:r>
-            <a:r>
-              <a:rPr lang="en-US" dirty="0"/>
-              <a:t>, we chose to fill the nulls with 0 value as we the 63 nulls observed represent less than 1% of the dataset</a:t>
-            </a:r>
-          </a:p>
-          <a:p>
-            <a:endParaRPr lang="en-US" dirty="0"/>
-          </a:p>
-          <a:p>
-            <a:r>
-              <a:rPr lang="en-US" dirty="0"/>
-              <a:t>For </a:t>
-            </a:r>
-            <a:r>
-              <a:rPr lang="en-US" i="1" dirty="0"/>
-              <a:t>year renovated, we chose to assume for 0 and nulls that the build year could be used to replace those values</a:t>
+              <a:t>Treatment of nulls varied on the different columns</a:t>
             </a:r>
           </a:p>
           <a:p>
@@ -7218,10 +7139,9 @@
           <a:lstStyle/>
           <a:p>
             <a:r>
-              <a:rPr lang="en-US"/>
-              <a:t>Step 3: EDA</a:t>
-            </a:r>
-            <a:endParaRPr lang="en-US" dirty="0"/>
+              <a:rPr lang="en-US" dirty="0"/>
+              <a:t>Step 3: Data Observations</a:t>
+            </a:r>
           </a:p>
         </p:txBody>
       </p:sp>
@@ -7702,8 +7622,8 @@
         </p:nvSpPr>
         <p:spPr>
           <a:xfrm>
-            <a:off x="5282382" y="1454964"/>
-            <a:ext cx="6261917" cy="3308840"/>
+            <a:off x="4950257" y="332640"/>
+            <a:ext cx="7311242" cy="3308840"/>
           </a:xfrm>
         </p:spPr>
         <p:txBody>
@@ -7713,8 +7633,8 @@
           <a:lstStyle/>
           <a:p>
             <a:r>
-              <a:rPr lang="en-US" sz="7200" dirty="0"/>
-              <a:t>Step 3: EDA (continued)</a:t>
+              <a:rPr lang="en-US" sz="4500" dirty="0"/>
+              <a:t>Step 3: Data Observations (continued)</a:t>
             </a:r>
           </a:p>
         </p:txBody>
@@ -7995,16 +7915,20 @@
           </a:xfrm>
         </p:spPr>
         <p:txBody>
-          <a:bodyPr/>
+          <a:bodyPr>
+            <a:normAutofit/>
+          </a:bodyPr>
           <a:lstStyle/>
           <a:p>
             <a:r>
               <a:rPr lang="en-US" dirty="0"/>
-              <a:t>To answer our questions, we decided to run two models with slight alterations.</a:t>
-            </a:r>
-          </a:p>
-          <a:p>
-            <a:pPr lvl="2"/>
+              <a:t>To answer our questions - two models with slight alterations</a:t>
+            </a:r>
+          </a:p>
+          <a:p>
+            <a:endParaRPr lang="en-US" dirty="0"/>
+          </a:p>
+          <a:p>
             <a:r>
               <a:rPr lang="en-US" dirty="0"/>
               <a:t>Model 1: Run OLS model on price and two independent variables without removing data outliers before selecting our sample</a:t>
@@ -8012,14 +7936,25 @@
           </a:p>
           <a:p>
             <a:pPr lvl="2"/>
+            <a:endParaRPr lang="en-US" dirty="0"/>
+          </a:p>
+          <a:p>
             <a:r>
               <a:rPr lang="en-US" dirty="0"/>
-              <a:t>Model 2: Run OLS model on price and two independent variables with outliers removed using standard deviation </a:t>
-            </a:r>
-          </a:p>
-          <a:p>
-            <a:pPr lvl="2"/>
-            <a:endParaRPr lang="en-US" dirty="0"/>
+              <a:t>Model 2: Run OLS model on price and two independent variables with outliers removed using standard deviation before selecting our sample</a:t>
+            </a:r>
+          </a:p>
+          <a:p>
+            <a:pPr marL="914400" lvl="2" indent="0">
+              <a:buNone/>
+            </a:pPr>
+            <a:endParaRPr lang="en-US" dirty="0"/>
+          </a:p>
+          <a:p>
+            <a:r>
+              <a:rPr lang="en-US" dirty="0"/>
+              <a:t>Used Sampling approach of 1000 houses with &lt;15 houses selected at random per zip code. </a:t>
+            </a:r>
           </a:p>
         </p:txBody>
       </p:sp>
